--- a/Midterm.pptx
+++ b/Midterm.pptx
@@ -5,10 +5,10 @@
     <p:sldMasterId id="2147483648" r:id="rId1"/>
   </p:sldMasterIdLst>
   <p:notesMasterIdLst>
-    <p:notesMasterId r:id="rId43"/>
+    <p:notesMasterId r:id="rId41"/>
   </p:notesMasterIdLst>
   <p:handoutMasterIdLst>
-    <p:handoutMasterId r:id="rId44"/>
+    <p:handoutMasterId r:id="rId42"/>
   </p:handoutMasterIdLst>
   <p:sldIdLst>
     <p:sldId id="256" r:id="rId2"/>
@@ -44,26 +44,24 @@
     <p:sldId id="336" r:id="rId32"/>
     <p:sldId id="342" r:id="rId33"/>
     <p:sldId id="313" r:id="rId34"/>
-    <p:sldId id="343" r:id="rId35"/>
-    <p:sldId id="348" r:id="rId36"/>
-    <p:sldId id="347" r:id="rId37"/>
-    <p:sldId id="314" r:id="rId38"/>
-    <p:sldId id="345" r:id="rId39"/>
-    <p:sldId id="301" r:id="rId40"/>
-    <p:sldId id="315" r:id="rId41"/>
-    <p:sldId id="316" r:id="rId42"/>
+    <p:sldId id="347" r:id="rId35"/>
+    <p:sldId id="314" r:id="rId36"/>
+    <p:sldId id="345" r:id="rId37"/>
+    <p:sldId id="301" r:id="rId38"/>
+    <p:sldId id="315" r:id="rId39"/>
+    <p:sldId id="316" r:id="rId40"/>
   </p:sldIdLst>
   <p:sldSz cx="18288000" cy="10287000"/>
   <p:notesSz cx="6858000" cy="9144000"/>
   <p:embeddedFontLst>
     <p:embeddedFont>
       <p:font typeface="Montserrat Classic Bold" panose="020B0604020202020204" charset="0"/>
-      <p:regular r:id="rId45"/>
+      <p:regular r:id="rId43"/>
     </p:embeddedFont>
     <p:embeddedFont>
       <p:font typeface="Segoe UI Black" panose="020B0A02040204020203" pitchFamily="34" charset="0"/>
-      <p:bold r:id="rId46"/>
-      <p:boldItalic r:id="rId47"/>
+      <p:bold r:id="rId44"/>
+      <p:boldItalic r:id="rId45"/>
     </p:embeddedFont>
   </p:embeddedFontLst>
   <p:defaultTextStyle>
@@ -274,7 +272,7 @@
           <a:p>
             <a:fld id="{E31ECC0B-24CA-4D22-AB59-AF0B70E3A430}" type="datetimeFigureOut">
               <a:rPr lang="en-US" smtClean="0"/>
-              <a:t>4/23/2024</a:t>
+              <a:t>5/31/2024</a:t>
             </a:fld>
             <a:endParaRPr lang="en-US"/>
           </a:p>
@@ -452,7 +450,7 @@
           <a:p>
             <a:fld id="{2E881807-DA61-4126-B044-723B3F635BEB}" type="datetimeFigureOut">
               <a:rPr lang="en-US" smtClean="0"/>
-              <a:t>4/23/2024</a:t>
+              <a:t>5/31/2024</a:t>
             </a:fld>
             <a:endParaRPr lang="en-US"/>
           </a:p>
@@ -4739,7 +4737,7 @@
     </p:spTree>
     <p:extLst>
       <p:ext uri="{BB962C8B-B14F-4D97-AF65-F5344CB8AC3E}">
-        <p14:creationId xmlns:p14="http://schemas.microsoft.com/office/powerpoint/2010/main" val="3955384099"/>
+        <p14:creationId xmlns:p14="http://schemas.microsoft.com/office/powerpoint/2010/main" val="2715916828"/>
       </p:ext>
     </p:extLst>
   </p:cSld>
@@ -5596,7 +5594,7 @@
           <a:p>
             <a:fld id="{A2B5C0DB-8909-4B69-A375-190E5B2E02BB}" type="slidenum">
               <a:rPr lang="en-US" smtClean="0"/>
-              <a:t>35</a:t>
+              <a:t>36</a:t>
             </a:fld>
             <a:endParaRPr lang="en-US"/>
           </a:p>
@@ -5605,7 +5603,7 @@
     </p:spTree>
     <p:extLst>
       <p:ext uri="{BB962C8B-B14F-4D97-AF65-F5344CB8AC3E}">
-        <p14:creationId xmlns:p14="http://schemas.microsoft.com/office/powerpoint/2010/main" val="2501592289"/>
+        <p14:creationId xmlns:p14="http://schemas.microsoft.com/office/powerpoint/2010/main" val="1937053179"/>
       </p:ext>
     </p:extLst>
   </p:cSld>
@@ -5659,10 +5657,6 @@
           <a:bodyPr/>
           <a:lstStyle/>
           <a:p>
-            <a:pPr marL="171450" indent="-171450">
-              <a:buFont typeface="Courier New" panose="02070309020205020404" pitchFamily="49" charset="0"/>
-              <a:buChar char="o"/>
-            </a:pPr>
             <a:endParaRPr lang="en-US" dirty="0"/>
           </a:p>
         </p:txBody>
@@ -5684,179 +5678,7 @@
           <a:p>
             <a:fld id="{A2B5C0DB-8909-4B69-A375-190E5B2E02BB}" type="slidenum">
               <a:rPr lang="en-US" smtClean="0"/>
-              <a:t>36</a:t>
-            </a:fld>
-            <a:endParaRPr lang="en-US"/>
-          </a:p>
-        </p:txBody>
-      </p:sp>
-    </p:spTree>
-    <p:extLst>
-      <p:ext uri="{BB962C8B-B14F-4D97-AF65-F5344CB8AC3E}">
-        <p14:creationId xmlns:p14="http://schemas.microsoft.com/office/powerpoint/2010/main" val="2715916828"/>
-      </p:ext>
-    </p:extLst>
-  </p:cSld>
-  <p:clrMapOvr>
-    <a:masterClrMapping/>
-  </p:clrMapOvr>
-</p:notes>
-</file>
-
-<file path=ppt/notesSlides/notesSlide32.xml><?xml version="1.0" encoding="utf-8"?>
-<p:notes xmlns:a="http://schemas.openxmlformats.org/drawingml/2006/main" xmlns:r="http://schemas.openxmlformats.org/officeDocument/2006/relationships" xmlns:p="http://schemas.openxmlformats.org/presentationml/2006/main">
-  <p:cSld>
-    <p:spTree>
-      <p:nvGrpSpPr>
-        <p:cNvPr id="1" name=""/>
-        <p:cNvGrpSpPr/>
-        <p:nvPr/>
-      </p:nvGrpSpPr>
-      <p:grpSpPr>
-        <a:xfrm>
-          <a:off x="0" y="0"/>
-          <a:ext cx="0" cy="0"/>
-          <a:chOff x="0" y="0"/>
-          <a:chExt cx="0" cy="0"/>
-        </a:xfrm>
-      </p:grpSpPr>
-      <p:sp>
-        <p:nvSpPr>
-          <p:cNvPr id="2" name="Slide Image Placeholder 1"/>
-          <p:cNvSpPr>
-            <a:spLocks noGrp="1" noRot="1" noChangeAspect="1"/>
-          </p:cNvSpPr>
-          <p:nvPr>
-            <p:ph type="sldImg"/>
-          </p:nvPr>
-        </p:nvSpPr>
-        <p:spPr/>
-      </p:sp>
-      <p:sp>
-        <p:nvSpPr>
-          <p:cNvPr id="3" name="Notes Placeholder 2"/>
-          <p:cNvSpPr>
-            <a:spLocks noGrp="1"/>
-          </p:cNvSpPr>
-          <p:nvPr>
-            <p:ph type="body" idx="1"/>
-          </p:nvPr>
-        </p:nvSpPr>
-        <p:spPr/>
-        <p:txBody>
-          <a:bodyPr/>
-          <a:lstStyle/>
-          <a:p>
-            <a:pPr marL="171450" indent="-171450">
-              <a:buFont typeface="Courier New" panose="02070309020205020404" pitchFamily="49" charset="0"/>
-              <a:buChar char="o"/>
-            </a:pPr>
-            <a:endParaRPr lang="en-US" dirty="0"/>
-          </a:p>
-        </p:txBody>
-      </p:sp>
-      <p:sp>
-        <p:nvSpPr>
-          <p:cNvPr id="4" name="Slide Number Placeholder 3"/>
-          <p:cNvSpPr>
-            <a:spLocks noGrp="1"/>
-          </p:cNvSpPr>
-          <p:nvPr>
-            <p:ph type="sldNum" sz="quarter" idx="5"/>
-          </p:nvPr>
-        </p:nvSpPr>
-        <p:spPr/>
-        <p:txBody>
-          <a:bodyPr/>
-          <a:lstStyle/>
-          <a:p>
-            <a:fld id="{A2B5C0DB-8909-4B69-A375-190E5B2E02BB}" type="slidenum">
-              <a:rPr lang="en-US" smtClean="0"/>
-              <a:t>38</a:t>
-            </a:fld>
-            <a:endParaRPr lang="en-US"/>
-          </a:p>
-        </p:txBody>
-      </p:sp>
-    </p:spTree>
-    <p:extLst>
-      <p:ext uri="{BB962C8B-B14F-4D97-AF65-F5344CB8AC3E}">
-        <p14:creationId xmlns:p14="http://schemas.microsoft.com/office/powerpoint/2010/main" val="1937053179"/>
-      </p:ext>
-    </p:extLst>
-  </p:cSld>
-  <p:clrMapOvr>
-    <a:masterClrMapping/>
-  </p:clrMapOvr>
-</p:notes>
-</file>
-
-<file path=ppt/notesSlides/notesSlide33.xml><?xml version="1.0" encoding="utf-8"?>
-<p:notes xmlns:a="http://schemas.openxmlformats.org/drawingml/2006/main" xmlns:r="http://schemas.openxmlformats.org/officeDocument/2006/relationships" xmlns:p="http://schemas.openxmlformats.org/presentationml/2006/main">
-  <p:cSld>
-    <p:spTree>
-      <p:nvGrpSpPr>
-        <p:cNvPr id="1" name=""/>
-        <p:cNvGrpSpPr/>
-        <p:nvPr/>
-      </p:nvGrpSpPr>
-      <p:grpSpPr>
-        <a:xfrm>
-          <a:off x="0" y="0"/>
-          <a:ext cx="0" cy="0"/>
-          <a:chOff x="0" y="0"/>
-          <a:chExt cx="0" cy="0"/>
-        </a:xfrm>
-      </p:grpSpPr>
-      <p:sp>
-        <p:nvSpPr>
-          <p:cNvPr id="2" name="Slide Image Placeholder 1"/>
-          <p:cNvSpPr>
-            <a:spLocks noGrp="1" noRot="1" noChangeAspect="1"/>
-          </p:cNvSpPr>
-          <p:nvPr>
-            <p:ph type="sldImg"/>
-          </p:nvPr>
-        </p:nvSpPr>
-        <p:spPr/>
-      </p:sp>
-      <p:sp>
-        <p:nvSpPr>
-          <p:cNvPr id="3" name="Notes Placeholder 2"/>
-          <p:cNvSpPr>
-            <a:spLocks noGrp="1"/>
-          </p:cNvSpPr>
-          <p:nvPr>
-            <p:ph type="body" idx="1"/>
-          </p:nvPr>
-        </p:nvSpPr>
-        <p:spPr/>
-        <p:txBody>
-          <a:bodyPr/>
-          <a:lstStyle/>
-          <a:p>
-            <a:endParaRPr lang="en-US" dirty="0"/>
-          </a:p>
-        </p:txBody>
-      </p:sp>
-      <p:sp>
-        <p:nvSpPr>
-          <p:cNvPr id="4" name="Slide Number Placeholder 3"/>
-          <p:cNvSpPr>
-            <a:spLocks noGrp="1"/>
-          </p:cNvSpPr>
-          <p:nvPr>
-            <p:ph type="sldNum" sz="quarter" idx="5"/>
-          </p:nvPr>
-        </p:nvSpPr>
-        <p:spPr/>
-        <p:txBody>
-          <a:bodyPr/>
-          <a:lstStyle/>
-          <a:p>
-            <a:fld id="{A2B5C0DB-8909-4B69-A375-190E5B2E02BB}" type="slidenum">
-              <a:rPr lang="en-US" smtClean="0"/>
-              <a:t>41</a:t>
+              <a:t>39</a:t>
             </a:fld>
             <a:endParaRPr lang="en-US"/>
           </a:p>
@@ -9742,7 +9564,7 @@
           <a:p>
             <a:fld id="{BF78B1A7-574B-4F33-A189-AA2699DBF0FA}" type="datetime1">
               <a:rPr lang="en-US" smtClean="0"/>
-              <a:t>4/23/2024</a:t>
+              <a:t>5/31/2024</a:t>
             </a:fld>
             <a:endParaRPr lang="en-US"/>
           </a:p>
@@ -9906,7 +9728,7 @@
           <a:p>
             <a:fld id="{3D0C477B-68A6-4EFC-AB4E-366C89A73368}" type="datetime1">
               <a:rPr lang="en-US" smtClean="0"/>
-              <a:t>4/23/2024</a:t>
+              <a:t>5/31/2024</a:t>
             </a:fld>
             <a:endParaRPr lang="en-US"/>
           </a:p>
@@ -10080,7 +9902,7 @@
           <a:p>
             <a:fld id="{A3F28DBE-3E13-43D0-8F21-1EA5885D1E14}" type="datetime1">
               <a:rPr lang="en-US" smtClean="0"/>
-              <a:t>4/23/2024</a:t>
+              <a:t>5/31/2024</a:t>
             </a:fld>
             <a:endParaRPr lang="en-US"/>
           </a:p>
@@ -10244,7 +10066,7 @@
           <a:p>
             <a:fld id="{2C63363E-C1C3-4051-AC7B-CD0D8E478467}" type="datetime1">
               <a:rPr lang="en-US" smtClean="0"/>
-              <a:t>4/23/2024</a:t>
+              <a:t>5/31/2024</a:t>
             </a:fld>
             <a:endParaRPr lang="en-US"/>
           </a:p>
@@ -10485,7 +10307,7 @@
           <a:p>
             <a:fld id="{51E22110-7AB2-4A92-A91B-FB52552A4088}" type="datetime1">
               <a:rPr lang="en-US" smtClean="0"/>
-              <a:t>4/23/2024</a:t>
+              <a:t>5/31/2024</a:t>
             </a:fld>
             <a:endParaRPr lang="en-US"/>
           </a:p>
@@ -10766,7 +10588,7 @@
           <a:p>
             <a:fld id="{CEF62BDF-A6B9-4C34-95B7-E2002FCE4D7C}" type="datetime1">
               <a:rPr lang="en-US" smtClean="0"/>
-              <a:t>4/23/2024</a:t>
+              <a:t>5/31/2024</a:t>
             </a:fld>
             <a:endParaRPr lang="en-US"/>
           </a:p>
@@ -11181,7 +11003,7 @@
           <a:p>
             <a:fld id="{E835DFE2-36C3-46A9-A799-8B81C4D30D55}" type="datetime1">
               <a:rPr lang="en-US" smtClean="0"/>
-              <a:t>4/23/2024</a:t>
+              <a:t>5/31/2024</a:t>
             </a:fld>
             <a:endParaRPr lang="en-US"/>
           </a:p>
@@ -11294,7 +11116,7 @@
           <a:p>
             <a:fld id="{E2DDF77E-382C-4B56-ACEB-BFF840DAB7D4}" type="datetime1">
               <a:rPr lang="en-US" smtClean="0"/>
-              <a:t>4/23/2024</a:t>
+              <a:t>5/31/2024</a:t>
             </a:fld>
             <a:endParaRPr lang="en-US"/>
           </a:p>
@@ -11385,7 +11207,7 @@
           <a:p>
             <a:fld id="{40BB0A15-9890-4BFA-8698-F2029C7F1294}" type="datetime1">
               <a:rPr lang="en-US" smtClean="0"/>
-              <a:t>4/23/2024</a:t>
+              <a:t>5/31/2024</a:t>
             </a:fld>
             <a:endParaRPr lang="en-US"/>
           </a:p>
@@ -11656,7 +11478,7 @@
           <a:p>
             <a:fld id="{3FF83D1B-A74B-4CF1-94AF-CAA2B386D950}" type="datetime1">
               <a:rPr lang="en-US" smtClean="0"/>
-              <a:t>4/23/2024</a:t>
+              <a:t>5/31/2024</a:t>
             </a:fld>
             <a:endParaRPr lang="en-US"/>
           </a:p>
@@ -11904,7 +11726,7 @@
           <a:p>
             <a:fld id="{C84A57A2-F523-475F-8285-679CC9F29138}" type="datetime1">
               <a:rPr lang="en-US" smtClean="0"/>
-              <a:t>4/23/2024</a:t>
+              <a:t>5/31/2024</a:t>
             </a:fld>
             <a:endParaRPr lang="en-US"/>
           </a:p>
@@ -12111,7 +11933,7 @@
           <a:p>
             <a:fld id="{86516297-79C4-4314-A247-6F854812DA4B}" type="datetime1">
               <a:rPr lang="en-US" smtClean="0"/>
-              <a:t>4/23/2024</a:t>
+              <a:t>5/31/2024</a:t>
             </a:fld>
             <a:endParaRPr lang="en-US"/>
           </a:p>
@@ -12534,6 +12356,13 @@
             </a:stretch>
           </a:blipFill>
         </p:spPr>
+        <p:txBody>
+          <a:bodyPr/>
+          <a:lstStyle/>
+          <a:p>
+            <a:endParaRPr lang="en-US"/>
+          </a:p>
+        </p:txBody>
       </p:sp>
       <p:sp>
         <p:nvSpPr>
@@ -12586,6 +12415,13 @@
             </a:stretch>
           </a:blipFill>
         </p:spPr>
+        <p:txBody>
+          <a:bodyPr/>
+          <a:lstStyle/>
+          <a:p>
+            <a:endParaRPr lang="en-US"/>
+          </a:p>
+        </p:txBody>
       </p:sp>
       <p:grpSp>
         <p:nvGrpSpPr>
@@ -12649,6 +12485,13 @@
               <a:miter/>
             </a:ln>
           </p:spPr>
+          <p:txBody>
+            <a:bodyPr/>
+            <a:lstStyle/>
+            <a:p>
+              <a:endParaRPr lang="en-US"/>
+            </a:p>
+          </p:txBody>
         </p:sp>
         <p:sp>
           <p:nvSpPr>
@@ -13226,6 +13069,13 @@
             </a:stretch>
           </a:blipFill>
         </p:spPr>
+        <p:txBody>
+          <a:bodyPr/>
+          <a:lstStyle/>
+          <a:p>
+            <a:endParaRPr lang="en-US"/>
+          </a:p>
+        </p:txBody>
       </p:sp>
       <p:sp>
         <p:nvSpPr>
@@ -13384,6 +13234,13 @@
             </a:stretch>
           </a:blipFill>
         </p:spPr>
+        <p:txBody>
+          <a:bodyPr/>
+          <a:lstStyle/>
+          <a:p>
+            <a:endParaRPr lang="en-US"/>
+          </a:p>
+        </p:txBody>
       </p:sp>
     </p:spTree>
     <p:extLst>
@@ -18789,6 +18646,13 @@
             </a:stretch>
           </a:blipFill>
         </p:spPr>
+        <p:txBody>
+          <a:bodyPr/>
+          <a:lstStyle/>
+          <a:p>
+            <a:endParaRPr lang="en-US"/>
+          </a:p>
+        </p:txBody>
       </p:sp>
       <p:sp>
         <p:nvSpPr>
@@ -18880,6 +18744,13 @@
             </a:stretch>
           </a:blipFill>
         </p:spPr>
+        <p:txBody>
+          <a:bodyPr/>
+          <a:lstStyle/>
+          <a:p>
+            <a:endParaRPr lang="en-US"/>
+          </a:p>
+        </p:txBody>
       </p:sp>
     </p:spTree>
     <p:extLst>
@@ -19994,6 +19865,13 @@
             </a:stretch>
           </a:blipFill>
         </p:spPr>
+        <p:txBody>
+          <a:bodyPr/>
+          <a:lstStyle/>
+          <a:p>
+            <a:endParaRPr lang="en-US"/>
+          </a:p>
+        </p:txBody>
       </p:sp>
       <p:sp>
         <p:nvSpPr>
@@ -20116,6 +19994,13 @@
             </a:stretch>
           </a:blipFill>
         </p:spPr>
+        <p:txBody>
+          <a:bodyPr/>
+          <a:lstStyle/>
+          <a:p>
+            <a:endParaRPr lang="en-US"/>
+          </a:p>
+        </p:txBody>
       </p:sp>
       <p:sp>
         <p:nvSpPr>
@@ -21124,6 +21009,13 @@
             </a:stretch>
           </a:blipFill>
         </p:spPr>
+        <p:txBody>
+          <a:bodyPr/>
+          <a:lstStyle/>
+          <a:p>
+            <a:endParaRPr lang="en-US"/>
+          </a:p>
+        </p:txBody>
       </p:sp>
       <p:sp>
         <p:nvSpPr>
@@ -21242,6 +21134,13 @@
             </a:stretch>
           </a:blipFill>
         </p:spPr>
+        <p:txBody>
+          <a:bodyPr/>
+          <a:lstStyle/>
+          <a:p>
+            <a:endParaRPr lang="en-US"/>
+          </a:p>
+        </p:txBody>
       </p:sp>
     </p:spTree>
     <p:extLst>
@@ -21804,6 +21703,13 @@
             </a:stretch>
           </a:blipFill>
         </p:spPr>
+        <p:txBody>
+          <a:bodyPr/>
+          <a:lstStyle/>
+          <a:p>
+            <a:endParaRPr lang="en-US"/>
+          </a:p>
+        </p:txBody>
       </p:sp>
       <p:sp>
         <p:nvSpPr>
@@ -21839,7 +21745,7 @@
                 <a:latin typeface="Segoe UI Black" panose="020B0A02040204020203" pitchFamily="34" charset="0"/>
                 <a:ea typeface="Segoe UI Black" panose="020B0A02040204020203" pitchFamily="34" charset="0"/>
               </a:rPr>
-              <a:t>Công</a:t>
+              <a:t>Kết</a:t>
             </a:r>
             <a:r>
               <a:rPr lang="en-US" sz="9600" spc="978" dirty="0">
@@ -21859,47 +21765,7 @@
                 <a:latin typeface="Segoe UI Black" panose="020B0A02040204020203" pitchFamily="34" charset="0"/>
                 <a:ea typeface="Segoe UI Black" panose="020B0A02040204020203" pitchFamily="34" charset="0"/>
               </a:rPr>
-              <a:t>việc</a:t>
-            </a:r>
-            <a:r>
-              <a:rPr lang="en-US" sz="9600" spc="978" dirty="0">
-                <a:solidFill>
-                  <a:srgbClr val="231F20"/>
-                </a:solidFill>
-                <a:latin typeface="Segoe UI Black" panose="020B0A02040204020203" pitchFamily="34" charset="0"/>
-                <a:ea typeface="Segoe UI Black" panose="020B0A02040204020203" pitchFamily="34" charset="0"/>
-              </a:rPr>
-              <a:t> </a:t>
-            </a:r>
-            <a:r>
-              <a:rPr lang="en-US" sz="9600" spc="978" dirty="0" err="1">
-                <a:solidFill>
-                  <a:srgbClr val="231F20"/>
-                </a:solidFill>
-                <a:latin typeface="Segoe UI Black" panose="020B0A02040204020203" pitchFamily="34" charset="0"/>
-                <a:ea typeface="Segoe UI Black" panose="020B0A02040204020203" pitchFamily="34" charset="0"/>
-              </a:rPr>
-              <a:t>đã</a:t>
-            </a:r>
-            <a:r>
-              <a:rPr lang="en-US" sz="9600" spc="978" dirty="0">
-                <a:solidFill>
-                  <a:srgbClr val="231F20"/>
-                </a:solidFill>
-                <a:latin typeface="Segoe UI Black" panose="020B0A02040204020203" pitchFamily="34" charset="0"/>
-                <a:ea typeface="Segoe UI Black" panose="020B0A02040204020203" pitchFamily="34" charset="0"/>
-              </a:rPr>
-              <a:t> </a:t>
-            </a:r>
-            <a:r>
-              <a:rPr lang="en-US" sz="9600" spc="978" dirty="0" err="1">
-                <a:solidFill>
-                  <a:srgbClr val="231F20"/>
-                </a:solidFill>
-                <a:latin typeface="Segoe UI Black" panose="020B0A02040204020203" pitchFamily="34" charset="0"/>
-                <a:ea typeface="Segoe UI Black" panose="020B0A02040204020203" pitchFamily="34" charset="0"/>
-              </a:rPr>
-              <a:t>làm</a:t>
+              <a:t>quả</a:t>
             </a:r>
             <a:endParaRPr lang="en-US" sz="9600" spc="978" dirty="0">
               <a:solidFill>
@@ -21962,6 +21828,13 @@
             </a:stretch>
           </a:blipFill>
         </p:spPr>
+        <p:txBody>
+          <a:bodyPr/>
+          <a:lstStyle/>
+          <a:p>
+            <a:endParaRPr lang="en-US"/>
+          </a:p>
+        </p:txBody>
       </p:sp>
     </p:spTree>
     <p:extLst>
@@ -22033,397 +21906,7 @@
                 <a:latin typeface="Segoe UI Black" panose="020B0A02040204020203" pitchFamily="34" charset="0"/>
                 <a:ea typeface="Segoe UI Black" panose="020B0A02040204020203" pitchFamily="34" charset="0"/>
               </a:rPr>
-              <a:t>GRU – Multiple Classification</a:t>
-            </a:r>
-          </a:p>
-        </p:txBody>
-      </p:sp>
-      <p:sp>
-        <p:nvSpPr>
-          <p:cNvPr id="3" name="AutoShape 2" descr="Comparison Vector SVG Icon - SVG Repo">
-            <a:extLst>
-              <a:ext uri="{FF2B5EF4-FFF2-40B4-BE49-F238E27FC236}">
-                <a16:creationId xmlns:a16="http://schemas.microsoft.com/office/drawing/2014/main" id="{85C4B1D5-F15E-AB6B-5FDE-017BBEFC6825}"/>
-              </a:ext>
-            </a:extLst>
-          </p:cNvPr>
-          <p:cNvSpPr>
-            <a:spLocks noChangeAspect="1" noChangeArrowheads="1"/>
-          </p:cNvSpPr>
-          <p:nvPr/>
-        </p:nvSpPr>
-        <p:spPr bwMode="auto">
-          <a:xfrm>
-            <a:off x="8991600" y="4991100"/>
-            <a:ext cx="304800" cy="304800"/>
-          </a:xfrm>
-          <a:prstGeom prst="rect">
-            <a:avLst/>
-          </a:prstGeom>
-          <a:noFill/>
-          <a:extLst>
-            <a:ext uri="{909E8E84-426E-40DD-AFC4-6F175D3DCCD1}">
-              <a14:hiddenFill xmlns:a14="http://schemas.microsoft.com/office/drawing/2010/main">
-                <a:solidFill>
-                  <a:srgbClr val="FFFFFF"/>
-                </a:solidFill>
-              </a14:hiddenFill>
-            </a:ext>
-          </a:extLst>
-        </p:spPr>
-        <p:txBody>
-          <a:bodyPr vert="horz" wrap="square" lIns="91440" tIns="45720" rIns="91440" bIns="45720" numCol="1" anchor="t" anchorCtr="0" compatLnSpc="1">
-            <a:prstTxWarp prst="textNoShape">
-              <a:avLst/>
-            </a:prstTxWarp>
-          </a:bodyPr>
-          <a:lstStyle/>
-          <a:p>
-            <a:endParaRPr lang="en-US"/>
-          </a:p>
-        </p:txBody>
-      </p:sp>
-      <p:pic>
-        <p:nvPicPr>
-          <p:cNvPr id="5" name="Picture 4">
-            <a:extLst>
-              <a:ext uri="{FF2B5EF4-FFF2-40B4-BE49-F238E27FC236}">
-                <a16:creationId xmlns:a16="http://schemas.microsoft.com/office/drawing/2014/main" id="{4AE8302C-D135-C96E-5282-DF50DE051158}"/>
-              </a:ext>
-            </a:extLst>
-          </p:cNvPr>
-          <p:cNvPicPr>
-            <a:picLocks noChangeAspect="1"/>
-          </p:cNvPicPr>
-          <p:nvPr/>
-        </p:nvPicPr>
-        <p:blipFill>
-          <a:blip r:embed="rId3"/>
-          <a:stretch>
-            <a:fillRect/>
-          </a:stretch>
-        </p:blipFill>
-        <p:spPr>
-          <a:xfrm>
-            <a:off x="3238500" y="1509121"/>
-            <a:ext cx="11506200" cy="8629650"/>
-          </a:xfrm>
-          <a:prstGeom prst="rect">
-            <a:avLst/>
-          </a:prstGeom>
-        </p:spPr>
-      </p:pic>
-      <p:sp>
-        <p:nvSpPr>
-          <p:cNvPr id="9" name="TextBox 8">
-            <a:extLst>
-              <a:ext uri="{FF2B5EF4-FFF2-40B4-BE49-F238E27FC236}">
-                <a16:creationId xmlns:a16="http://schemas.microsoft.com/office/drawing/2014/main" id="{3F484FF9-C83A-A665-66E5-19742D10324C}"/>
-              </a:ext>
-            </a:extLst>
-          </p:cNvPr>
-          <p:cNvSpPr txBox="1"/>
-          <p:nvPr/>
-        </p:nvSpPr>
-        <p:spPr>
-          <a:xfrm>
-            <a:off x="17639207" y="9703155"/>
-            <a:ext cx="688099" cy="606705"/>
-          </a:xfrm>
-          <a:prstGeom prst="rect">
-            <a:avLst/>
-          </a:prstGeom>
-        </p:spPr>
-        <p:txBody>
-          <a:bodyPr wrap="square" lIns="0" tIns="0" rIns="0" bIns="0" rtlCol="0" anchor="t">
-            <a:spAutoFit/>
-          </a:bodyPr>
-          <a:lstStyle/>
-          <a:p>
-            <a:pPr algn="ctr">
-              <a:lnSpc>
-                <a:spcPts val="5126"/>
-              </a:lnSpc>
-            </a:pPr>
-            <a:r>
-              <a:rPr lang="en-US" sz="4000" dirty="0">
-                <a:solidFill>
-                  <a:srgbClr val="363636"/>
-                </a:solidFill>
-                <a:latin typeface="Segoe UI Black" panose="020B0A02040204020203" pitchFamily="34" charset="0"/>
-                <a:ea typeface="Segoe UI Black" panose="020B0A02040204020203" pitchFamily="34" charset="0"/>
-              </a:rPr>
-              <a:t>26</a:t>
-            </a:r>
-          </a:p>
-        </p:txBody>
-      </p:sp>
-    </p:spTree>
-    <p:extLst>
-      <p:ext uri="{BB962C8B-B14F-4D97-AF65-F5344CB8AC3E}">
-        <p14:creationId xmlns:p14="http://schemas.microsoft.com/office/powerpoint/2010/main" val="2411294930"/>
-      </p:ext>
-    </p:extLst>
-  </p:cSld>
-  <p:clrMapOvr>
-    <a:masterClrMapping/>
-  </p:clrMapOvr>
-</p:sld>
-</file>
-
-<file path=ppt/slides/slide35.xml><?xml version="1.0" encoding="utf-8"?>
-<p:sld xmlns:a="http://schemas.openxmlformats.org/drawingml/2006/main" xmlns:r="http://schemas.openxmlformats.org/officeDocument/2006/relationships" xmlns:p="http://schemas.openxmlformats.org/presentationml/2006/main">
-  <p:cSld>
-    <p:spTree>
-      <p:nvGrpSpPr>
-        <p:cNvPr id="1" name=""/>
-        <p:cNvGrpSpPr/>
-        <p:nvPr/>
-      </p:nvGrpSpPr>
-      <p:grpSpPr>
-        <a:xfrm>
-          <a:off x="0" y="0"/>
-          <a:ext cx="0" cy="0"/>
-          <a:chOff x="0" y="0"/>
-          <a:chExt cx="0" cy="0"/>
-        </a:xfrm>
-      </p:grpSpPr>
-      <p:sp>
-        <p:nvSpPr>
-          <p:cNvPr id="2" name="TextBox 6">
-            <a:extLst>
-              <a:ext uri="{FF2B5EF4-FFF2-40B4-BE49-F238E27FC236}">
-                <a16:creationId xmlns:a16="http://schemas.microsoft.com/office/drawing/2014/main" id="{EDD80D5B-E866-9BE4-BE3E-6A232C9D2A07}"/>
-              </a:ext>
-            </a:extLst>
-          </p:cNvPr>
-          <p:cNvSpPr txBox="1"/>
-          <p:nvPr/>
-        </p:nvSpPr>
-        <p:spPr>
-          <a:xfrm>
-            <a:off x="438150" y="0"/>
-            <a:ext cx="16001943" cy="1501501"/>
-          </a:xfrm>
-          <a:prstGeom prst="rect">
-            <a:avLst/>
-          </a:prstGeom>
-        </p:spPr>
-        <p:txBody>
-          <a:bodyPr wrap="square" lIns="0" tIns="0" rIns="0" bIns="0" rtlCol="0" anchor="t">
-            <a:spAutoFit/>
-          </a:bodyPr>
-          <a:lstStyle/>
-          <a:p>
-            <a:pPr>
-              <a:lnSpc>
-                <a:spcPts val="13774"/>
-              </a:lnSpc>
-            </a:pPr>
-            <a:r>
-              <a:rPr lang="en-US" sz="6000" spc="978" dirty="0">
-                <a:solidFill>
-                  <a:srgbClr val="231F20"/>
-                </a:solidFill>
-                <a:latin typeface="Segoe UI Black" panose="020B0A02040204020203" pitchFamily="34" charset="0"/>
-                <a:ea typeface="Segoe UI Black" panose="020B0A02040204020203" pitchFamily="34" charset="0"/>
-              </a:rPr>
-              <a:t>GRU – Multiple Classification</a:t>
-            </a:r>
-          </a:p>
-        </p:txBody>
-      </p:sp>
-      <p:sp>
-        <p:nvSpPr>
-          <p:cNvPr id="3" name="AutoShape 2" descr="Comparison Vector SVG Icon - SVG Repo">
-            <a:extLst>
-              <a:ext uri="{FF2B5EF4-FFF2-40B4-BE49-F238E27FC236}">
-                <a16:creationId xmlns:a16="http://schemas.microsoft.com/office/drawing/2014/main" id="{85C4B1D5-F15E-AB6B-5FDE-017BBEFC6825}"/>
-              </a:ext>
-            </a:extLst>
-          </p:cNvPr>
-          <p:cNvSpPr>
-            <a:spLocks noChangeAspect="1" noChangeArrowheads="1"/>
-          </p:cNvSpPr>
-          <p:nvPr/>
-        </p:nvSpPr>
-        <p:spPr bwMode="auto">
-          <a:xfrm>
-            <a:off x="8991600" y="4991100"/>
-            <a:ext cx="304800" cy="304800"/>
-          </a:xfrm>
-          <a:prstGeom prst="rect">
-            <a:avLst/>
-          </a:prstGeom>
-          <a:noFill/>
-          <a:extLst>
-            <a:ext uri="{909E8E84-426E-40DD-AFC4-6F175D3DCCD1}">
-              <a14:hiddenFill xmlns:a14="http://schemas.microsoft.com/office/drawing/2010/main">
-                <a:solidFill>
-                  <a:srgbClr val="FFFFFF"/>
-                </a:solidFill>
-              </a14:hiddenFill>
-            </a:ext>
-          </a:extLst>
-        </p:spPr>
-        <p:txBody>
-          <a:bodyPr vert="horz" wrap="square" lIns="91440" tIns="45720" rIns="91440" bIns="45720" numCol="1" anchor="t" anchorCtr="0" compatLnSpc="1">
-            <a:prstTxWarp prst="textNoShape">
-              <a:avLst/>
-            </a:prstTxWarp>
-          </a:bodyPr>
-          <a:lstStyle/>
-          <a:p>
-            <a:endParaRPr lang="en-US"/>
-          </a:p>
-        </p:txBody>
-      </p:sp>
-      <p:sp>
-        <p:nvSpPr>
-          <p:cNvPr id="9" name="TextBox 8">
-            <a:extLst>
-              <a:ext uri="{FF2B5EF4-FFF2-40B4-BE49-F238E27FC236}">
-                <a16:creationId xmlns:a16="http://schemas.microsoft.com/office/drawing/2014/main" id="{3F484FF9-C83A-A665-66E5-19742D10324C}"/>
-              </a:ext>
-            </a:extLst>
-          </p:cNvPr>
-          <p:cNvSpPr txBox="1"/>
-          <p:nvPr/>
-        </p:nvSpPr>
-        <p:spPr>
-          <a:xfrm>
-            <a:off x="17639207" y="9703155"/>
-            <a:ext cx="688099" cy="606705"/>
-          </a:xfrm>
-          <a:prstGeom prst="rect">
-            <a:avLst/>
-          </a:prstGeom>
-        </p:spPr>
-        <p:txBody>
-          <a:bodyPr wrap="square" lIns="0" tIns="0" rIns="0" bIns="0" rtlCol="0" anchor="t">
-            <a:spAutoFit/>
-          </a:bodyPr>
-          <a:lstStyle/>
-          <a:p>
-            <a:pPr algn="ctr">
-              <a:lnSpc>
-                <a:spcPts val="5126"/>
-              </a:lnSpc>
-            </a:pPr>
-            <a:r>
-              <a:rPr lang="en-US" sz="4000" dirty="0">
-                <a:solidFill>
-                  <a:srgbClr val="363636"/>
-                </a:solidFill>
-                <a:latin typeface="Segoe UI Black" panose="020B0A02040204020203" pitchFamily="34" charset="0"/>
-                <a:ea typeface="Segoe UI Black" panose="020B0A02040204020203" pitchFamily="34" charset="0"/>
-              </a:rPr>
-              <a:t>27</a:t>
-            </a:r>
-          </a:p>
-        </p:txBody>
-      </p:sp>
-      <p:pic>
-        <p:nvPicPr>
-          <p:cNvPr id="6" name="Picture 5">
-            <a:extLst>
-              <a:ext uri="{FF2B5EF4-FFF2-40B4-BE49-F238E27FC236}">
-                <a16:creationId xmlns:a16="http://schemas.microsoft.com/office/drawing/2014/main" id="{C48E2155-E83E-5BA4-69E4-780D5A089817}"/>
-              </a:ext>
-            </a:extLst>
-          </p:cNvPr>
-          <p:cNvPicPr>
-            <a:picLocks noChangeAspect="1"/>
-          </p:cNvPicPr>
-          <p:nvPr/>
-        </p:nvPicPr>
-        <p:blipFill>
-          <a:blip r:embed="rId3"/>
-          <a:stretch>
-            <a:fillRect/>
-          </a:stretch>
-        </p:blipFill>
-        <p:spPr>
-          <a:xfrm>
-            <a:off x="3429000" y="1714500"/>
-            <a:ext cx="11430000" cy="8572500"/>
-          </a:xfrm>
-          <a:prstGeom prst="rect">
-            <a:avLst/>
-          </a:prstGeom>
-        </p:spPr>
-      </p:pic>
-    </p:spTree>
-    <p:extLst>
-      <p:ext uri="{BB962C8B-B14F-4D97-AF65-F5344CB8AC3E}">
-        <p14:creationId xmlns:p14="http://schemas.microsoft.com/office/powerpoint/2010/main" val="4147430122"/>
-      </p:ext>
-    </p:extLst>
-  </p:cSld>
-  <p:clrMapOvr>
-    <a:masterClrMapping/>
-  </p:clrMapOvr>
-</p:sld>
-</file>
-
-<file path=ppt/slides/slide36.xml><?xml version="1.0" encoding="utf-8"?>
-<p:sld xmlns:a="http://schemas.openxmlformats.org/drawingml/2006/main" xmlns:r="http://schemas.openxmlformats.org/officeDocument/2006/relationships" xmlns:p="http://schemas.openxmlformats.org/presentationml/2006/main">
-  <p:cSld>
-    <p:spTree>
-      <p:nvGrpSpPr>
-        <p:cNvPr id="1" name=""/>
-        <p:cNvGrpSpPr/>
-        <p:nvPr/>
-      </p:nvGrpSpPr>
-      <p:grpSpPr>
-        <a:xfrm>
-          <a:off x="0" y="0"/>
-          <a:ext cx="0" cy="0"/>
-          <a:chOff x="0" y="0"/>
-          <a:chExt cx="0" cy="0"/>
-        </a:xfrm>
-      </p:grpSpPr>
-      <p:sp>
-        <p:nvSpPr>
-          <p:cNvPr id="2" name="TextBox 6">
-            <a:extLst>
-              <a:ext uri="{FF2B5EF4-FFF2-40B4-BE49-F238E27FC236}">
-                <a16:creationId xmlns:a16="http://schemas.microsoft.com/office/drawing/2014/main" id="{EDD80D5B-E866-9BE4-BE3E-6A232C9D2A07}"/>
-              </a:ext>
-            </a:extLst>
-          </p:cNvPr>
-          <p:cNvSpPr txBox="1"/>
-          <p:nvPr/>
-        </p:nvSpPr>
-        <p:spPr>
-          <a:xfrm>
-            <a:off x="438150" y="0"/>
-            <a:ext cx="16001943" cy="1501501"/>
-          </a:xfrm>
-          <a:prstGeom prst="rect">
-            <a:avLst/>
-          </a:prstGeom>
-        </p:spPr>
-        <p:txBody>
-          <a:bodyPr wrap="square" lIns="0" tIns="0" rIns="0" bIns="0" rtlCol="0" anchor="t">
-            <a:spAutoFit/>
-          </a:bodyPr>
-          <a:lstStyle/>
-          <a:p>
-            <a:pPr>
-              <a:lnSpc>
-                <a:spcPts val="13774"/>
-              </a:lnSpc>
-            </a:pPr>
-            <a:r>
-              <a:rPr lang="en-US" sz="6000" spc="978" dirty="0">
-                <a:solidFill>
-                  <a:srgbClr val="231F20"/>
-                </a:solidFill>
-                <a:latin typeface="Segoe UI Black" panose="020B0A02040204020203" pitchFamily="34" charset="0"/>
-                <a:ea typeface="Segoe UI Black" panose="020B0A02040204020203" pitchFamily="34" charset="0"/>
-              </a:rPr>
-              <a:t>Multiple Classification</a:t>
+              <a:t>Binary Classification</a:t>
             </a:r>
           </a:p>
         </p:txBody>
@@ -22488,14 +21971,14 @@
           <p:nvPr>
             <p:extLst>
               <p:ext uri="{D42A27DB-BD31-4B8C-83A1-F6EECF244321}">
-                <p14:modId xmlns:p14="http://schemas.microsoft.com/office/powerpoint/2010/main" val="41297853"/>
+                <p14:modId xmlns:p14="http://schemas.microsoft.com/office/powerpoint/2010/main" val="4103767192"/>
               </p:ext>
             </p:extLst>
           </p:nvPr>
         </p:nvGraphicFramePr>
         <p:xfrm>
-          <a:off x="438150" y="2781300"/>
-          <a:ext cx="17621250" cy="5242560"/>
+          <a:off x="438150" y="1465529"/>
+          <a:ext cx="17392650" cy="8514910"/>
         </p:xfrm>
         <a:graphic>
           <a:graphicData uri="http://schemas.openxmlformats.org/drawingml/2006/table">
@@ -22504,50 +21987,43 @@
                 <a:tableStyleId>{5C22544A-7EE6-4342-B048-85BDC9FD1C3A}</a:tableStyleId>
               </a:tblPr>
               <a:tblGrid>
-                <a:gridCol w="2936875">
+                <a:gridCol w="4784558">
                   <a:extLst>
                     <a:ext uri="{9D8B030D-6E8A-4147-A177-3AD203B41FA5}">
                       <a16:colId xmlns:a16="http://schemas.microsoft.com/office/drawing/2014/main" val="1424870320"/>
                     </a:ext>
                   </a:extLst>
                 </a:gridCol>
-                <a:gridCol w="2936875">
+                <a:gridCol w="3006892">
                   <a:extLst>
                     <a:ext uri="{9D8B030D-6E8A-4147-A177-3AD203B41FA5}">
                       <a16:colId xmlns:a16="http://schemas.microsoft.com/office/drawing/2014/main" val="1503084600"/>
                     </a:ext>
                   </a:extLst>
                 </a:gridCol>
-                <a:gridCol w="2936875">
+                <a:gridCol w="3124200">
                   <a:extLst>
                     <a:ext uri="{9D8B030D-6E8A-4147-A177-3AD203B41FA5}">
                       <a16:colId xmlns:a16="http://schemas.microsoft.com/office/drawing/2014/main" val="1385690226"/>
                     </a:ext>
                   </a:extLst>
                 </a:gridCol>
-                <a:gridCol w="2936875">
+                <a:gridCol w="3352800">
                   <a:extLst>
                     <a:ext uri="{9D8B030D-6E8A-4147-A177-3AD203B41FA5}">
                       <a16:colId xmlns:a16="http://schemas.microsoft.com/office/drawing/2014/main" val="2344049137"/>
                     </a:ext>
                   </a:extLst>
                 </a:gridCol>
-                <a:gridCol w="2936875">
+                <a:gridCol w="3124200">
                   <a:extLst>
                     <a:ext uri="{9D8B030D-6E8A-4147-A177-3AD203B41FA5}">
                       <a16:colId xmlns:a16="http://schemas.microsoft.com/office/drawing/2014/main" val="1583687222"/>
                     </a:ext>
                   </a:extLst>
                 </a:gridCol>
-                <a:gridCol w="2936875">
-                  <a:extLst>
-                    <a:ext uri="{9D8B030D-6E8A-4147-A177-3AD203B41FA5}">
-                      <a16:colId xmlns:a16="http://schemas.microsoft.com/office/drawing/2014/main" val="1807770292"/>
-                    </a:ext>
-                  </a:extLst>
-                </a:gridCol>
               </a:tblGrid>
-              <a:tr h="762000">
+              <a:tr h="775291">
                 <a:tc>
                   <a:txBody>
                     <a:bodyPr/>
@@ -22567,7 +22043,7 @@
                       <a:pPr algn="ctr"/>
                       <a:r>
                         <a:rPr lang="en-US" sz="4400" b="1" dirty="0"/>
-                        <a:t>CNN</a:t>
+                        <a:t>Accuracy</a:t>
                       </a:r>
                     </a:p>
                   </a:txBody>
@@ -22581,7 +22057,7 @@
                       <a:pPr algn="ctr"/>
                       <a:r>
                         <a:rPr lang="en-US" sz="4400" b="1" dirty="0"/>
-                        <a:t>GRU</a:t>
+                        <a:t>Recall</a:t>
                       </a:r>
                     </a:p>
                   </a:txBody>
@@ -22595,7 +22071,7 @@
                       <a:pPr algn="ctr"/>
                       <a:r>
                         <a:rPr lang="en-US" sz="4400" b="1" dirty="0"/>
-                        <a:t>LSTM</a:t>
+                        <a:t>Precision</a:t>
                       </a:r>
                     </a:p>
                   </a:txBody>
@@ -22609,21 +22085,7 @@
                       <a:pPr algn="ctr"/>
                       <a:r>
                         <a:rPr lang="en-US" sz="4400" b="1" dirty="0"/>
-                        <a:t>RNN</a:t>
-                      </a:r>
-                    </a:p>
-                  </a:txBody>
-                  <a:tcPr anchor="ctr"/>
-                </a:tc>
-                <a:tc>
-                  <a:txBody>
-                    <a:bodyPr/>
-                    <a:lstStyle/>
-                    <a:p>
-                      <a:pPr algn="ctr"/>
-                      <a:r>
-                        <a:rPr lang="en-US" sz="4400" b="1" dirty="0"/>
-                        <a:t>CNN_LSTM</a:t>
+                        <a:t>F1Score</a:t>
                       </a:r>
                     </a:p>
                   </a:txBody>
@@ -22635,7 +22097,7 @@
                   </a:ext>
                 </a:extLst>
               </a:tr>
-              <a:tr h="762000">
+              <a:tr h="748709">
                 <a:tc>
                   <a:txBody>
                     <a:bodyPr/>
@@ -22660,25 +22122,7 @@
                       </a:pPr>
                       <a:r>
                         <a:rPr lang="en-US" sz="4400" b="1" dirty="0"/>
-                        <a:t>Accuracy</a:t>
-                      </a:r>
-                    </a:p>
-                    <a:p>
-                      <a:pPr algn="l"/>
-                      <a:endParaRPr lang="en-US" sz="4400" b="1" dirty="0"/>
-                    </a:p>
-                  </a:txBody>
-                  <a:tcPr anchor="ctr"/>
-                </a:tc>
-                <a:tc>
-                  <a:txBody>
-                    <a:bodyPr/>
-                    <a:lstStyle/>
-                    <a:p>
-                      <a:pPr algn="ctr"/>
-                      <a:r>
-                        <a:rPr lang="en-US" sz="4400" b="0" dirty="0"/>
-                        <a:t>0.8949</a:t>
+                        <a:t>CNN – test1</a:t>
                       </a:r>
                     </a:p>
                   </a:txBody>
@@ -22692,7 +22136,7 @@
                       <a:pPr algn="ctr"/>
                       <a:r>
                         <a:rPr lang="en-US" sz="4400" b="0" dirty="0"/>
-                        <a:t>0.9026</a:t>
+                        <a:t>0.983</a:t>
                       </a:r>
                     </a:p>
                   </a:txBody>
@@ -22706,7 +22150,18 @@
                       <a:pPr algn="ctr"/>
                       <a:r>
                         <a:rPr lang="en-US" sz="4400" b="0" dirty="0"/>
-                        <a:t>0.9069</a:t>
+                        <a:t>0.905 - </a:t>
+                      </a:r>
+                      <a:r>
+                        <a:rPr lang="en-US" sz="4400" b="0" dirty="0">
+                          <a:solidFill>
+                            <a:schemeClr val="tx2">
+                              <a:lumMod val="60000"/>
+                              <a:lumOff val="40000"/>
+                            </a:schemeClr>
+                          </a:solidFill>
+                        </a:rPr>
+                        <a:t>0.91</a:t>
                       </a:r>
                     </a:p>
                   </a:txBody>
@@ -22720,7 +22175,18 @@
                       <a:pPr algn="ctr"/>
                       <a:r>
                         <a:rPr lang="en-US" sz="4400" b="0" dirty="0"/>
-                        <a:t>0.8748</a:t>
+                        <a:t>0.752 - </a:t>
+                      </a:r>
+                      <a:r>
+                        <a:rPr lang="en-US" sz="4400" b="0" dirty="0">
+                          <a:solidFill>
+                            <a:schemeClr val="tx2">
+                              <a:lumMod val="60000"/>
+                              <a:lumOff val="40000"/>
+                            </a:schemeClr>
+                          </a:solidFill>
+                        </a:rPr>
+                        <a:t>0.91</a:t>
                       </a:r>
                     </a:p>
                   </a:txBody>
@@ -22734,7 +22200,18 @@
                       <a:pPr algn="ctr"/>
                       <a:r>
                         <a:rPr lang="en-US" sz="4400" b="0" dirty="0"/>
-                        <a:t>0.8595</a:t>
+                        <a:t>0.822 - </a:t>
+                      </a:r>
+                      <a:r>
+                        <a:rPr lang="en-US" sz="4400" b="0" dirty="0">
+                          <a:solidFill>
+                            <a:schemeClr val="tx2">
+                              <a:lumMod val="60000"/>
+                              <a:lumOff val="40000"/>
+                            </a:schemeClr>
+                          </a:solidFill>
+                        </a:rPr>
+                        <a:t>0.91</a:t>
                       </a:r>
                     </a:p>
                   </a:txBody>
@@ -22746,16 +22223,32 @@
                   </a:ext>
                 </a:extLst>
               </a:tr>
-              <a:tr h="762000">
+              <a:tr h="775291">
                 <a:tc>
                   <a:txBody>
                     <a:bodyPr/>
                     <a:lstStyle/>
                     <a:p>
-                      <a:pPr algn="l"/>
+                      <a:pPr marL="0" marR="0" lvl="0" indent="0" algn="l" defTabSz="914400" rtl="0" eaLnBrk="1" fontAlgn="auto" latinLnBrk="0" hangingPunct="1">
+                        <a:lnSpc>
+                          <a:spcPct val="100000"/>
+                        </a:lnSpc>
+                        <a:spcBef>
+                          <a:spcPts val="0"/>
+                        </a:spcBef>
+                        <a:spcAft>
+                          <a:spcPts val="0"/>
+                        </a:spcAft>
+                        <a:buClrTx/>
+                        <a:buSzTx/>
+                        <a:buFontTx/>
+                        <a:buNone/>
+                        <a:tabLst/>
+                        <a:defRPr/>
+                      </a:pPr>
                       <a:r>
                         <a:rPr lang="en-US" sz="4400" b="1" dirty="0"/>
-                        <a:t>Precision</a:t>
+                        <a:t>CNN – test2</a:t>
                       </a:r>
                     </a:p>
                   </a:txBody>
@@ -22769,7 +22262,7 @@
                       <a:pPr algn="ctr"/>
                       <a:r>
                         <a:rPr lang="en-US" sz="4400" b="0" dirty="0"/>
-                        <a:t>0.9005</a:t>
+                        <a:t>0.74</a:t>
                       </a:r>
                     </a:p>
                   </a:txBody>
@@ -22783,7 +22276,7 @@
                       <a:pPr algn="ctr"/>
                       <a:r>
                         <a:rPr lang="en-US" sz="4400" b="0" dirty="0"/>
-                        <a:t>0.9083</a:t>
+                        <a:t>0.722</a:t>
                       </a:r>
                     </a:p>
                   </a:txBody>
@@ -22797,7 +22290,7 @@
                       <a:pPr algn="ctr"/>
                       <a:r>
                         <a:rPr lang="en-US" sz="4400" b="0" dirty="0"/>
-                        <a:t>0.9119</a:t>
+                        <a:t>1</a:t>
                       </a:r>
                     </a:p>
                   </a:txBody>
@@ -22811,7 +22304,44 @@
                       <a:pPr algn="ctr"/>
                       <a:r>
                         <a:rPr lang="en-US" sz="4400" b="0" dirty="0"/>
-                        <a:t>0.8799</a:t>
+                        <a:t>0.839</a:t>
+                      </a:r>
+                    </a:p>
+                  </a:txBody>
+                  <a:tcPr anchor="ctr"/>
+                </a:tc>
+                <a:extLst>
+                  <a:ext uri="{0D108BD9-81ED-4DB2-BD59-A6C34878D82A}">
+                    <a16:rowId xmlns:a16="http://schemas.microsoft.com/office/drawing/2014/main" val="1783062663"/>
+                  </a:ext>
+                </a:extLst>
+              </a:tr>
+              <a:tr h="775291">
+                <a:tc>
+                  <a:txBody>
+                    <a:bodyPr/>
+                    <a:lstStyle/>
+                    <a:p>
+                      <a:pPr marL="0" marR="0" lvl="0" indent="0" algn="l" defTabSz="914400" rtl="0" eaLnBrk="1" fontAlgn="auto" latinLnBrk="0" hangingPunct="1">
+                        <a:lnSpc>
+                          <a:spcPct val="100000"/>
+                        </a:lnSpc>
+                        <a:spcBef>
+                          <a:spcPts val="0"/>
+                        </a:spcBef>
+                        <a:spcAft>
+                          <a:spcPts val="0"/>
+                        </a:spcAft>
+                        <a:buClrTx/>
+                        <a:buSzTx/>
+                        <a:buFontTx/>
+                        <a:buNone/>
+                        <a:tabLst/>
+                        <a:defRPr/>
+                      </a:pPr>
+                      <a:r>
+                        <a:rPr lang="en-US" sz="4400" b="1" dirty="0"/>
+                        <a:t>LSTM – test1</a:t>
                       </a:r>
                     </a:p>
                   </a:txBody>
@@ -22825,7 +22355,94 @@
                       <a:pPr algn="ctr"/>
                       <a:r>
                         <a:rPr lang="en-US" sz="4400" b="0" dirty="0"/>
-                        <a:t>0.8738</a:t>
+                        <a:t>0.984</a:t>
+                      </a:r>
+                    </a:p>
+                  </a:txBody>
+                  <a:tcPr anchor="ctr"/>
+                </a:tc>
+                <a:tc>
+                  <a:txBody>
+                    <a:bodyPr/>
+                    <a:lstStyle/>
+                    <a:p>
+                      <a:pPr algn="ctr"/>
+                      <a:r>
+                        <a:rPr lang="en-US" sz="4400" b="0" dirty="0">
+                          <a:solidFill>
+                            <a:schemeClr val="tx1"/>
+                          </a:solidFill>
+                        </a:rPr>
+                        <a:t>0.956 - </a:t>
+                      </a:r>
+                      <a:r>
+                        <a:rPr lang="en-US" sz="4400" b="0" dirty="0">
+                          <a:solidFill>
+                            <a:schemeClr val="tx2">
+                              <a:lumMod val="60000"/>
+                              <a:lumOff val="40000"/>
+                            </a:schemeClr>
+                          </a:solidFill>
+                        </a:rPr>
+                        <a:t>0.92</a:t>
+                      </a:r>
+                    </a:p>
+                  </a:txBody>
+                  <a:tcPr anchor="ctr"/>
+                </a:tc>
+                <a:tc>
+                  <a:txBody>
+                    <a:bodyPr/>
+                    <a:lstStyle/>
+                    <a:p>
+                      <a:pPr algn="ctr"/>
+                      <a:r>
+                        <a:rPr lang="en-US" sz="4400" b="0" dirty="0">
+                          <a:solidFill>
+                            <a:schemeClr val="tx1"/>
+                          </a:solidFill>
+                        </a:rPr>
+                        <a:t>0.753 - </a:t>
+                      </a:r>
+                      <a:r>
+                        <a:rPr lang="en-US" sz="4400" b="0" dirty="0">
+                          <a:solidFill>
+                            <a:schemeClr val="tx2">
+                              <a:lumMod val="60000"/>
+                              <a:lumOff val="40000"/>
+                            </a:schemeClr>
+                          </a:solidFill>
+                        </a:rPr>
+                        <a:t>0.92</a:t>
+                      </a:r>
+                    </a:p>
+                  </a:txBody>
+                  <a:tcPr anchor="ctr"/>
+                </a:tc>
+                <a:tc>
+                  <a:txBody>
+                    <a:bodyPr/>
+                    <a:lstStyle/>
+                    <a:p>
+                      <a:pPr algn="ctr"/>
+                      <a:r>
+                        <a:rPr lang="en-US" sz="4400" b="0" dirty="0">
+                          <a:solidFill>
+                            <a:schemeClr val="tx1"/>
+                          </a:solidFill>
+                        </a:rPr>
+                        <a:t>0.842 - </a:t>
+                      </a:r>
+                      <a:r>
+                        <a:rPr lang="en-US" sz="4400" b="0" dirty="0">
+                          <a:solidFill>
+                            <a:schemeClr val="tx2">
+                              <a:lumMod val="60000"/>
+                              <a:lumOff val="40000"/>
+                            </a:schemeClr>
+                          </a:solidFill>
+                        </a:rPr>
+                        <a:t>0.93</a:t>
                       </a:r>
                     </a:p>
                   </a:txBody>
@@ -22833,20 +22450,36 @@
                 </a:tc>
                 <a:extLst>
                   <a:ext uri="{0D108BD9-81ED-4DB2-BD59-A6C34878D82A}">
-                    <a16:rowId xmlns:a16="http://schemas.microsoft.com/office/drawing/2014/main" val="1783062663"/>
+                    <a16:rowId xmlns:a16="http://schemas.microsoft.com/office/drawing/2014/main" val="1989364647"/>
                   </a:ext>
                 </a:extLst>
               </a:tr>
-              <a:tr h="762000">
+              <a:tr h="775291">
                 <a:tc>
                   <a:txBody>
                     <a:bodyPr/>
                     <a:lstStyle/>
                     <a:p>
-                      <a:pPr algn="l"/>
+                      <a:pPr marL="0" marR="0" lvl="0" indent="0" algn="l" defTabSz="914400" rtl="0" eaLnBrk="1" fontAlgn="auto" latinLnBrk="0" hangingPunct="1">
+                        <a:lnSpc>
+                          <a:spcPct val="100000"/>
+                        </a:lnSpc>
+                        <a:spcBef>
+                          <a:spcPts val="0"/>
+                        </a:spcBef>
+                        <a:spcAft>
+                          <a:spcPts val="0"/>
+                        </a:spcAft>
+                        <a:buClrTx/>
+                        <a:buSzTx/>
+                        <a:buFontTx/>
+                        <a:buNone/>
+                        <a:tabLst/>
+                        <a:defRPr/>
+                      </a:pPr>
                       <a:r>
                         <a:rPr lang="en-US" sz="4400" b="1" dirty="0"/>
-                        <a:t>Recall</a:t>
+                        <a:t>LSTM – test2</a:t>
                       </a:r>
                     </a:p>
                   </a:txBody>
@@ -22860,7 +22493,301 @@
                       <a:pPr algn="ctr"/>
                       <a:r>
                         <a:rPr lang="en-US" sz="4400" b="0" dirty="0"/>
-                        <a:t>0.8949</a:t>
+                        <a:t>0.72</a:t>
+                      </a:r>
+                    </a:p>
+                  </a:txBody>
+                  <a:tcPr anchor="ctr"/>
+                </a:tc>
+                <a:tc>
+                  <a:txBody>
+                    <a:bodyPr/>
+                    <a:lstStyle/>
+                    <a:p>
+                      <a:pPr algn="ctr"/>
+                      <a:r>
+                        <a:rPr lang="en-US" sz="4400" b="0" dirty="0">
+                          <a:solidFill>
+                            <a:schemeClr val="tx1"/>
+                          </a:solidFill>
+                        </a:rPr>
+                        <a:t>0.702 - </a:t>
+                      </a:r>
+                      <a:r>
+                        <a:rPr lang="en-US" sz="4400" b="0" dirty="0">
+                          <a:solidFill>
+                            <a:schemeClr val="tx2">
+                              <a:lumMod val="60000"/>
+                              <a:lumOff val="40000"/>
+                            </a:schemeClr>
+                          </a:solidFill>
+                        </a:rPr>
+                        <a:t>0.78</a:t>
+                      </a:r>
+                    </a:p>
+                  </a:txBody>
+                  <a:tcPr anchor="ctr"/>
+                </a:tc>
+                <a:tc>
+                  <a:txBody>
+                    <a:bodyPr/>
+                    <a:lstStyle/>
+                    <a:p>
+                      <a:pPr algn="ctr"/>
+                      <a:r>
+                        <a:rPr lang="en-US" sz="4400" b="0" dirty="0">
+                          <a:solidFill>
+                            <a:schemeClr val="tx1"/>
+                          </a:solidFill>
+                        </a:rPr>
+                        <a:t>0.999 - </a:t>
+                      </a:r>
+                      <a:r>
+                        <a:rPr lang="en-US" sz="4400" b="0" dirty="0">
+                          <a:solidFill>
+                            <a:schemeClr val="tx2">
+                              <a:lumMod val="60000"/>
+                              <a:lumOff val="40000"/>
+                            </a:schemeClr>
+                          </a:solidFill>
+                        </a:rPr>
+                        <a:t>0.79</a:t>
+                      </a:r>
+                    </a:p>
+                  </a:txBody>
+                  <a:tcPr anchor="ctr"/>
+                </a:tc>
+                <a:tc>
+                  <a:txBody>
+                    <a:bodyPr/>
+                    <a:lstStyle/>
+                    <a:p>
+                      <a:pPr algn="ctr"/>
+                      <a:r>
+                        <a:rPr lang="en-US" sz="4400" b="0" dirty="0">
+                          <a:solidFill>
+                            <a:schemeClr val="tx1"/>
+                          </a:solidFill>
+                        </a:rPr>
+                        <a:t>0.825 - </a:t>
+                      </a:r>
+                      <a:r>
+                        <a:rPr lang="en-US" sz="4400" b="0" dirty="0">
+                          <a:solidFill>
+                            <a:schemeClr val="tx2">
+                              <a:lumMod val="60000"/>
+                              <a:lumOff val="40000"/>
+                            </a:schemeClr>
+                          </a:solidFill>
+                        </a:rPr>
+                        <a:t>0.76</a:t>
+                      </a:r>
+                    </a:p>
+                  </a:txBody>
+                  <a:tcPr anchor="ctr"/>
+                </a:tc>
+                <a:extLst>
+                  <a:ext uri="{0D108BD9-81ED-4DB2-BD59-A6C34878D82A}">
+                    <a16:rowId xmlns:a16="http://schemas.microsoft.com/office/drawing/2014/main" val="2175226792"/>
+                  </a:ext>
+                </a:extLst>
+              </a:tr>
+              <a:tr h="775291">
+                <a:tc>
+                  <a:txBody>
+                    <a:bodyPr/>
+                    <a:lstStyle/>
+                    <a:p>
+                      <a:pPr marL="0" marR="0" lvl="0" indent="0" algn="l" defTabSz="914400" rtl="0" eaLnBrk="1" fontAlgn="auto" latinLnBrk="0" hangingPunct="1">
+                        <a:lnSpc>
+                          <a:spcPct val="100000"/>
+                        </a:lnSpc>
+                        <a:spcBef>
+                          <a:spcPts val="0"/>
+                        </a:spcBef>
+                        <a:spcAft>
+                          <a:spcPts val="0"/>
+                        </a:spcAft>
+                        <a:buClrTx/>
+                        <a:buSzTx/>
+                        <a:buFontTx/>
+                        <a:buNone/>
+                        <a:tabLst/>
+                        <a:defRPr/>
+                      </a:pPr>
+                      <a:r>
+                        <a:rPr lang="en-US" sz="4400" b="1" dirty="0"/>
+                        <a:t>GRU – test1</a:t>
+                      </a:r>
+                    </a:p>
+                  </a:txBody>
+                  <a:tcPr anchor="ctr"/>
+                </a:tc>
+                <a:tc>
+                  <a:txBody>
+                    <a:bodyPr/>
+                    <a:lstStyle/>
+                    <a:p>
+                      <a:pPr algn="ctr"/>
+                      <a:endParaRPr lang="en-US" sz="4400" b="0" dirty="0"/>
+                    </a:p>
+                  </a:txBody>
+                  <a:tcPr anchor="ctr"/>
+                </a:tc>
+                <a:tc>
+                  <a:txBody>
+                    <a:bodyPr/>
+                    <a:lstStyle/>
+                    <a:p>
+                      <a:pPr algn="ctr"/>
+                      <a:endParaRPr lang="en-US" sz="4400" b="0" dirty="0">
+                        <a:solidFill>
+                          <a:schemeClr val="tx1"/>
+                        </a:solidFill>
+                      </a:endParaRPr>
+                    </a:p>
+                  </a:txBody>
+                  <a:tcPr anchor="ctr"/>
+                </a:tc>
+                <a:tc>
+                  <a:txBody>
+                    <a:bodyPr/>
+                    <a:lstStyle/>
+                    <a:p>
+                      <a:pPr algn="ctr"/>
+                      <a:endParaRPr lang="en-US" sz="4400" b="0" dirty="0">
+                        <a:solidFill>
+                          <a:schemeClr val="tx1"/>
+                        </a:solidFill>
+                      </a:endParaRPr>
+                    </a:p>
+                  </a:txBody>
+                  <a:tcPr anchor="ctr"/>
+                </a:tc>
+                <a:tc>
+                  <a:txBody>
+                    <a:bodyPr/>
+                    <a:lstStyle/>
+                    <a:p>
+                      <a:pPr algn="ctr"/>
+                      <a:endParaRPr lang="en-US" sz="4400" b="0" dirty="0">
+                        <a:solidFill>
+                          <a:schemeClr val="tx1"/>
+                        </a:solidFill>
+                      </a:endParaRPr>
+                    </a:p>
+                  </a:txBody>
+                  <a:tcPr anchor="ctr"/>
+                </a:tc>
+                <a:extLst>
+                  <a:ext uri="{0D108BD9-81ED-4DB2-BD59-A6C34878D82A}">
+                    <a16:rowId xmlns:a16="http://schemas.microsoft.com/office/drawing/2014/main" val="355886709"/>
+                  </a:ext>
+                </a:extLst>
+              </a:tr>
+              <a:tr h="775291">
+                <a:tc>
+                  <a:txBody>
+                    <a:bodyPr/>
+                    <a:lstStyle/>
+                    <a:p>
+                      <a:pPr marL="0" marR="0" lvl="0" indent="0" algn="l" defTabSz="914400" rtl="0" eaLnBrk="1" fontAlgn="auto" latinLnBrk="0" hangingPunct="1">
+                        <a:lnSpc>
+                          <a:spcPct val="100000"/>
+                        </a:lnSpc>
+                        <a:spcBef>
+                          <a:spcPts val="0"/>
+                        </a:spcBef>
+                        <a:spcAft>
+                          <a:spcPts val="0"/>
+                        </a:spcAft>
+                        <a:buClrTx/>
+                        <a:buSzTx/>
+                        <a:buFontTx/>
+                        <a:buNone/>
+                        <a:tabLst/>
+                        <a:defRPr/>
+                      </a:pPr>
+                      <a:r>
+                        <a:rPr lang="en-US" sz="4400" b="1" dirty="0"/>
+                        <a:t>GRU – test2</a:t>
+                      </a:r>
+                    </a:p>
+                  </a:txBody>
+                  <a:tcPr anchor="ctr"/>
+                </a:tc>
+                <a:tc>
+                  <a:txBody>
+                    <a:bodyPr/>
+                    <a:lstStyle/>
+                    <a:p>
+                      <a:pPr algn="ctr"/>
+                      <a:endParaRPr lang="en-US" sz="4400" b="0" dirty="0"/>
+                    </a:p>
+                  </a:txBody>
+                  <a:tcPr anchor="ctr"/>
+                </a:tc>
+                <a:tc>
+                  <a:txBody>
+                    <a:bodyPr/>
+                    <a:lstStyle/>
+                    <a:p>
+                      <a:pPr algn="ctr"/>
+                      <a:endParaRPr lang="en-US" sz="4400" b="0" dirty="0">
+                        <a:solidFill>
+                          <a:schemeClr val="tx1"/>
+                        </a:solidFill>
+                      </a:endParaRPr>
+                    </a:p>
+                  </a:txBody>
+                  <a:tcPr anchor="ctr"/>
+                </a:tc>
+                <a:tc>
+                  <a:txBody>
+                    <a:bodyPr/>
+                    <a:lstStyle/>
+                    <a:p>
+                      <a:pPr algn="ctr"/>
+                      <a:endParaRPr lang="en-US" sz="4400" b="0" dirty="0">
+                        <a:solidFill>
+                          <a:schemeClr val="tx1"/>
+                        </a:solidFill>
+                      </a:endParaRPr>
+                    </a:p>
+                  </a:txBody>
+                  <a:tcPr anchor="ctr"/>
+                </a:tc>
+                <a:tc>
+                  <a:txBody>
+                    <a:bodyPr/>
+                    <a:lstStyle/>
+                    <a:p>
+                      <a:pPr algn="ctr"/>
+                      <a:endParaRPr lang="en-US" sz="4400" b="0" dirty="0">
+                        <a:solidFill>
+                          <a:schemeClr val="tx1"/>
+                        </a:solidFill>
+                      </a:endParaRPr>
+                    </a:p>
+                  </a:txBody>
+                  <a:tcPr anchor="ctr"/>
+                </a:tc>
+                <a:extLst>
+                  <a:ext uri="{0D108BD9-81ED-4DB2-BD59-A6C34878D82A}">
+                    <a16:rowId xmlns:a16="http://schemas.microsoft.com/office/drawing/2014/main" val="1831963347"/>
+                  </a:ext>
+                </a:extLst>
+              </a:tr>
+              <a:tr h="775291">
+                <a:tc>
+                  <a:txBody>
+                    <a:bodyPr/>
+                    <a:lstStyle/>
+                    <a:p>
+                      <a:pPr algn="l"/>
+                      <a:r>
+                        <a:rPr lang="en-US" sz="4400" b="1" dirty="0"/>
+                        <a:t>RNN – test1</a:t>
                       </a:r>
                     </a:p>
                   </a:txBody>
@@ -22874,7 +22801,7 @@
                       <a:pPr algn="ctr"/>
                       <a:r>
                         <a:rPr lang="en-US" sz="4400" b="0" dirty="0"/>
-                        <a:t>0.9026</a:t>
+                        <a:t>0.983 </a:t>
                       </a:r>
                     </a:p>
                   </a:txBody>
@@ -22888,7 +22815,18 @@
                       <a:pPr algn="ctr"/>
                       <a:r>
                         <a:rPr lang="en-US" sz="4400" b="0" dirty="0"/>
-                        <a:t>0.9069</a:t>
+                        <a:t>0.911 - </a:t>
+                      </a:r>
+                      <a:r>
+                        <a:rPr lang="en-US" sz="4400" b="0" dirty="0">
+                          <a:solidFill>
+                            <a:schemeClr val="tx2">
+                              <a:lumMod val="60000"/>
+                              <a:lumOff val="40000"/>
+                            </a:schemeClr>
+                          </a:solidFill>
+                        </a:rPr>
+                        <a:t>0.92</a:t>
                       </a:r>
                     </a:p>
                   </a:txBody>
@@ -22902,7 +22840,18 @@
                       <a:pPr algn="ctr"/>
                       <a:r>
                         <a:rPr lang="en-US" sz="4400" b="0" dirty="0"/>
-                        <a:t>0.8748</a:t>
+                        <a:t>0.756 - </a:t>
+                      </a:r>
+                      <a:r>
+                        <a:rPr lang="en-US" sz="4400" b="0" dirty="0">
+                          <a:solidFill>
+                            <a:schemeClr val="tx2">
+                              <a:lumMod val="60000"/>
+                              <a:lumOff val="40000"/>
+                            </a:schemeClr>
+                          </a:solidFill>
+                        </a:rPr>
+                        <a:t>0.92</a:t>
                       </a:r>
                     </a:p>
                   </a:txBody>
@@ -22916,7 +22865,18 @@
                       <a:pPr algn="ctr"/>
                       <a:r>
                         <a:rPr lang="en-US" sz="4400" b="0" dirty="0"/>
-                        <a:t>0.8595</a:t>
+                        <a:t>0.826 - </a:t>
+                      </a:r>
+                      <a:r>
+                        <a:rPr lang="en-US" sz="4400" b="0" dirty="0">
+                          <a:solidFill>
+                            <a:schemeClr val="tx2">
+                              <a:lumMod val="60000"/>
+                              <a:lumOff val="40000"/>
+                            </a:schemeClr>
+                          </a:solidFill>
+                        </a:rPr>
+                        <a:t>0.93</a:t>
                       </a:r>
                     </a:p>
                   </a:txBody>
@@ -22924,11 +22884,11 @@
                 </a:tc>
                 <a:extLst>
                   <a:ext uri="{0D108BD9-81ED-4DB2-BD59-A6C34878D82A}">
-                    <a16:rowId xmlns:a16="http://schemas.microsoft.com/office/drawing/2014/main" val="2265146215"/>
+                    <a16:rowId xmlns:a16="http://schemas.microsoft.com/office/drawing/2014/main" val="1825823631"/>
                   </a:ext>
                 </a:extLst>
               </a:tr>
-              <a:tr h="762000">
+              <a:tr h="775291">
                 <a:tc>
                   <a:txBody>
                     <a:bodyPr/>
@@ -22937,7 +22897,7 @@
                       <a:pPr algn="l"/>
                       <a:r>
                         <a:rPr lang="en-US" sz="4400" b="1" dirty="0"/>
-                        <a:t>F1 Score</a:t>
+                        <a:t>RNN – test2</a:t>
                       </a:r>
                     </a:p>
                   </a:txBody>
@@ -22951,7 +22911,7 @@
                       <a:pPr algn="ctr"/>
                       <a:r>
                         <a:rPr lang="en-US" sz="4400" b="0" dirty="0"/>
-                        <a:t>0.8921</a:t>
+                        <a:t>0.725</a:t>
                       </a:r>
                     </a:p>
                   </a:txBody>
@@ -22965,7 +22925,7 @@
                       <a:pPr algn="ctr"/>
                       <a:r>
                         <a:rPr lang="en-US" sz="4400" b="0" dirty="0"/>
-                        <a:t>0.8999</a:t>
+                        <a:t>0.707</a:t>
                       </a:r>
                     </a:p>
                   </a:txBody>
@@ -22979,7 +22939,7 @@
                       <a:pPr algn="ctr"/>
                       <a:r>
                         <a:rPr lang="en-US" sz="4400" b="0" dirty="0"/>
-                        <a:t>0.9042</a:t>
+                        <a:t>0.999</a:t>
                       </a:r>
                     </a:p>
                   </a:txBody>
@@ -22993,7 +22953,28 @@
                       <a:pPr algn="ctr"/>
                       <a:r>
                         <a:rPr lang="en-US" sz="4400" b="0" dirty="0"/>
-                        <a:t>0.8715</a:t>
+                        <a:t>0.828</a:t>
+                      </a:r>
+                    </a:p>
+                  </a:txBody>
+                  <a:tcPr anchor="ctr"/>
+                </a:tc>
+                <a:extLst>
+                  <a:ext uri="{0D108BD9-81ED-4DB2-BD59-A6C34878D82A}">
+                    <a16:rowId xmlns:a16="http://schemas.microsoft.com/office/drawing/2014/main" val="4144257186"/>
+                  </a:ext>
+                </a:extLst>
+              </a:tr>
+              <a:tr h="775291">
+                <a:tc>
+                  <a:txBody>
+                    <a:bodyPr/>
+                    <a:lstStyle/>
+                    <a:p>
+                      <a:pPr algn="l"/>
+                      <a:r>
+                        <a:rPr lang="en-US" sz="4400" b="1" dirty="0"/>
+                        <a:t>CNN-LSTM – test1</a:t>
                       </a:r>
                     </a:p>
                   </a:txBody>
@@ -23007,28 +22988,7 @@
                       <a:pPr algn="ctr"/>
                       <a:r>
                         <a:rPr lang="en-US" sz="4400" b="0" dirty="0"/>
-                        <a:t>0.8506</a:t>
-                      </a:r>
-                    </a:p>
-                  </a:txBody>
-                  <a:tcPr anchor="ctr"/>
-                </a:tc>
-                <a:extLst>
-                  <a:ext uri="{0D108BD9-81ED-4DB2-BD59-A6C34878D82A}">
-                    <a16:rowId xmlns:a16="http://schemas.microsoft.com/office/drawing/2014/main" val="415078468"/>
-                  </a:ext>
-                </a:extLst>
-              </a:tr>
-              <a:tr h="762000">
-                <a:tc>
-                  <a:txBody>
-                    <a:bodyPr/>
-                    <a:lstStyle/>
-                    <a:p>
-                      <a:pPr algn="l"/>
-                      <a:r>
-                        <a:rPr lang="en-US" sz="4400" b="1" dirty="0"/>
-                        <a:t>AUC</a:t>
+                        <a:t>0.985</a:t>
                       </a:r>
                     </a:p>
                   </a:txBody>
@@ -23042,7 +23002,108 @@
                       <a:pPr algn="ctr"/>
                       <a:r>
                         <a:rPr lang="en-US" sz="4400" b="0" dirty="0"/>
-                        <a:t>0.9941</a:t>
+                        <a:t>0.927 - </a:t>
+                      </a:r>
+                      <a:r>
+                        <a:rPr lang="en-US" sz="4400" b="0" dirty="0">
+                          <a:solidFill>
+                            <a:schemeClr val="tx2">
+                              <a:lumMod val="60000"/>
+                              <a:lumOff val="40000"/>
+                            </a:schemeClr>
+                          </a:solidFill>
+                        </a:rPr>
+                        <a:t>0.91</a:t>
+                      </a:r>
+                      <a:endParaRPr lang="en-US" sz="4400" b="0" dirty="0"/>
+                    </a:p>
+                  </a:txBody>
+                  <a:tcPr anchor="ctr"/>
+                </a:tc>
+                <a:tc>
+                  <a:txBody>
+                    <a:bodyPr/>
+                    <a:lstStyle/>
+                    <a:p>
+                      <a:pPr algn="ctr"/>
+                      <a:r>
+                        <a:rPr lang="en-US" sz="4400" b="0" dirty="0"/>
+                        <a:t>0.777 - </a:t>
+                      </a:r>
+                      <a:r>
+                        <a:rPr lang="en-US" sz="4400" b="0" dirty="0">
+                          <a:solidFill>
+                            <a:schemeClr val="tx2">
+                              <a:lumMod val="60000"/>
+                              <a:lumOff val="40000"/>
+                            </a:schemeClr>
+                          </a:solidFill>
+                        </a:rPr>
+                        <a:t>0.91</a:t>
+                      </a:r>
+                      <a:endParaRPr lang="en-US" sz="4400" b="0" dirty="0"/>
+                    </a:p>
+                  </a:txBody>
+                  <a:tcPr anchor="ctr"/>
+                </a:tc>
+                <a:tc>
+                  <a:txBody>
+                    <a:bodyPr/>
+                    <a:lstStyle/>
+                    <a:p>
+                      <a:pPr algn="ctr"/>
+                      <a:r>
+                        <a:rPr lang="en-US" sz="4400" b="0" dirty="0"/>
+                        <a:t>0.845 - </a:t>
+                      </a:r>
+                      <a:r>
+                        <a:rPr lang="en-US" sz="4400" b="0" dirty="0">
+                          <a:solidFill>
+                            <a:schemeClr val="tx2">
+                              <a:lumMod val="60000"/>
+                              <a:lumOff val="40000"/>
+                            </a:schemeClr>
+                          </a:solidFill>
+                        </a:rPr>
+                        <a:t>0.92</a:t>
+                      </a:r>
+                      <a:endParaRPr lang="en-US" sz="4400" b="0" dirty="0"/>
+                    </a:p>
+                  </a:txBody>
+                  <a:tcPr anchor="ctr"/>
+                </a:tc>
+                <a:extLst>
+                  <a:ext uri="{0D108BD9-81ED-4DB2-BD59-A6C34878D82A}">
+                    <a16:rowId xmlns:a16="http://schemas.microsoft.com/office/drawing/2014/main" val="489461594"/>
+                  </a:ext>
+                </a:extLst>
+              </a:tr>
+              <a:tr h="775291">
+                <a:tc>
+                  <a:txBody>
+                    <a:bodyPr/>
+                    <a:lstStyle/>
+                    <a:p>
+                      <a:pPr marL="0" marR="0" lvl="0" indent="0" algn="l" defTabSz="914400" rtl="0" eaLnBrk="1" fontAlgn="auto" latinLnBrk="0" hangingPunct="1">
+                        <a:lnSpc>
+                          <a:spcPct val="100000"/>
+                        </a:lnSpc>
+                        <a:spcBef>
+                          <a:spcPts val="0"/>
+                        </a:spcBef>
+                        <a:spcAft>
+                          <a:spcPts val="0"/>
+                        </a:spcAft>
+                        <a:buClrTx/>
+                        <a:buSzTx/>
+                        <a:buFontTx/>
+                        <a:buNone/>
+                        <a:tabLst/>
+                        <a:defRPr/>
+                      </a:pPr>
+                      <a:r>
+                        <a:rPr lang="en-US" sz="4400" b="1" dirty="0"/>
+                        <a:t>CNN-LSTM – test2</a:t>
                       </a:r>
                     </a:p>
                   </a:txBody>
@@ -23056,7 +23117,7 @@
                       <a:pPr algn="ctr"/>
                       <a:r>
                         <a:rPr lang="en-US" sz="4400" b="0" dirty="0"/>
-                        <a:t>0.9946</a:t>
+                        <a:t>0.733</a:t>
                       </a:r>
                     </a:p>
                   </a:txBody>
@@ -23070,7 +23131,26 @@
                       <a:pPr algn="ctr"/>
                       <a:r>
                         <a:rPr lang="en-US" sz="4400" b="0" dirty="0"/>
-                        <a:t>0.9949</a:t>
+                        <a:t>0.716</a:t>
+                      </a:r>
+                      <a:endParaRPr lang="en-US" sz="4400" b="0" dirty="0">
+                        <a:solidFill>
+                          <a:srgbClr val="FF0000"/>
+                        </a:solidFill>
+                      </a:endParaRPr>
+                    </a:p>
+                  </a:txBody>
+                  <a:tcPr anchor="ctr"/>
+                </a:tc>
+                <a:tc>
+                  <a:txBody>
+                    <a:bodyPr/>
+                    <a:lstStyle/>
+                    <a:p>
+                      <a:pPr algn="ctr"/>
+                      <a:r>
+                        <a:rPr lang="en-US" sz="4400" b="0" dirty="0"/>
+                        <a:t>0.999 </a:t>
                       </a:r>
                     </a:p>
                   </a:txBody>
@@ -23084,21 +23164,7 @@
                       <a:pPr algn="ctr"/>
                       <a:r>
                         <a:rPr lang="en-US" sz="4400" b="0" dirty="0"/>
-                        <a:t>0.9922</a:t>
-                      </a:r>
-                    </a:p>
-                  </a:txBody>
-                  <a:tcPr anchor="ctr"/>
-                </a:tc>
-                <a:tc>
-                  <a:txBody>
-                    <a:bodyPr/>
-                    <a:lstStyle/>
-                    <a:p>
-                      <a:pPr algn="ctr"/>
-                      <a:r>
-                        <a:rPr lang="en-US" sz="4400" b="0" dirty="0"/>
-                        <a:t>0.9896</a:t>
+                        <a:t>0.834 </a:t>
                       </a:r>
                     </a:p>
                   </a:txBody>
@@ -23106,7 +23172,7 @@
                 </a:tc>
                 <a:extLst>
                   <a:ext uri="{0D108BD9-81ED-4DB2-BD59-A6C34878D82A}">
-                    <a16:rowId xmlns:a16="http://schemas.microsoft.com/office/drawing/2014/main" val="3367986821"/>
+                    <a16:rowId xmlns:a16="http://schemas.microsoft.com/office/drawing/2014/main" val="3547875704"/>
                   </a:ext>
                 </a:extLst>
               </a:tr>
@@ -23172,7 +23238,7 @@
 </p:sld>
 </file>
 
-<file path=ppt/slides/slide37.xml><?xml version="1.0" encoding="utf-8"?>
+<file path=ppt/slides/slide35.xml><?xml version="1.0" encoding="utf-8"?>
 <p:sld xmlns:a="http://schemas.openxmlformats.org/drawingml/2006/main" xmlns:r="http://schemas.openxmlformats.org/officeDocument/2006/relationships" xmlns:p="http://schemas.openxmlformats.org/presentationml/2006/main">
   <p:cSld>
     <p:bg>
@@ -23248,6 +23314,13 @@
             </a:stretch>
           </a:blipFill>
         </p:spPr>
+        <p:txBody>
+          <a:bodyPr/>
+          <a:lstStyle/>
+          <a:p>
+            <a:endParaRPr lang="en-US"/>
+          </a:p>
+        </p:txBody>
       </p:sp>
       <p:sp>
         <p:nvSpPr>
@@ -23406,6 +23479,13 @@
             </a:stretch>
           </a:blipFill>
         </p:spPr>
+        <p:txBody>
+          <a:bodyPr/>
+          <a:lstStyle/>
+          <a:p>
+            <a:endParaRPr lang="en-US"/>
+          </a:p>
+        </p:txBody>
       </p:sp>
     </p:spTree>
     <p:extLst>
@@ -23420,7 +23500,7 @@
 </p:sld>
 </file>
 
-<file path=ppt/slides/slide38.xml><?xml version="1.0" encoding="utf-8"?>
+<file path=ppt/slides/slide36.xml><?xml version="1.0" encoding="utf-8"?>
 <p:sld xmlns:a="http://schemas.openxmlformats.org/drawingml/2006/main" xmlns:r="http://schemas.openxmlformats.org/officeDocument/2006/relationships" xmlns:p="http://schemas.openxmlformats.org/presentationml/2006/main">
   <p:cSld>
     <p:spTree>
@@ -23851,7 +23931,7 @@
 </p:sld>
 </file>
 
-<file path=ppt/slides/slide39.xml><?xml version="1.0" encoding="utf-8"?>
+<file path=ppt/slides/slide37.xml><?xml version="1.0" encoding="utf-8"?>
 <p:sld xmlns:a="http://schemas.openxmlformats.org/drawingml/2006/main" xmlns:r="http://schemas.openxmlformats.org/officeDocument/2006/relationships" xmlns:p="http://schemas.openxmlformats.org/presentationml/2006/main">
   <p:cSld>
     <p:bg>
@@ -23927,6 +24007,13 @@
             </a:stretch>
           </a:blipFill>
         </p:spPr>
+        <p:txBody>
+          <a:bodyPr/>
+          <a:lstStyle/>
+          <a:p>
+            <a:endParaRPr lang="en-US"/>
+          </a:p>
+        </p:txBody>
       </p:sp>
       <p:sp>
         <p:nvSpPr>
@@ -24085,6 +24172,13 @@
             </a:stretch>
           </a:blipFill>
         </p:spPr>
+        <p:txBody>
+          <a:bodyPr/>
+          <a:lstStyle/>
+          <a:p>
+            <a:endParaRPr lang="en-US"/>
+          </a:p>
+        </p:txBody>
       </p:sp>
     </p:spTree>
     <p:extLst>
@@ -24099,215 +24193,7 @@
 </p:sld>
 </file>
 
-<file path=ppt/slides/slide4.xml><?xml version="1.0" encoding="utf-8"?>
-<p:sld xmlns:a="http://schemas.openxmlformats.org/drawingml/2006/main" xmlns:r="http://schemas.openxmlformats.org/officeDocument/2006/relationships" xmlns:p="http://schemas.openxmlformats.org/presentationml/2006/main">
-  <p:cSld>
-    <p:bg>
-      <p:bgPr>
-        <a:solidFill>
-          <a:srgbClr val="F2F4F5"/>
-        </a:solidFill>
-        <a:effectLst/>
-      </p:bgPr>
-    </p:bg>
-    <p:spTree>
-      <p:nvGrpSpPr>
-        <p:cNvPr id="1" name=""/>
-        <p:cNvGrpSpPr/>
-        <p:nvPr/>
-      </p:nvGrpSpPr>
-      <p:grpSpPr>
-        <a:xfrm>
-          <a:off x="0" y="0"/>
-          <a:ext cx="0" cy="0"/>
-          <a:chOff x="0" y="0"/>
-          <a:chExt cx="0" cy="0"/>
-        </a:xfrm>
-      </p:grpSpPr>
-      <p:sp>
-        <p:nvSpPr>
-          <p:cNvPr id="2" name="Freeform 2"/>
-          <p:cNvSpPr/>
-          <p:nvPr/>
-        </p:nvSpPr>
-        <p:spPr>
-          <a:xfrm rot="7659121">
-            <a:off x="-4024140" y="4583103"/>
-            <a:ext cx="7629294" cy="7828566"/>
-          </a:xfrm>
-          <a:custGeom>
-            <a:avLst/>
-            <a:gdLst/>
-            <a:ahLst/>
-            <a:cxnLst/>
-            <a:rect l="l" t="t" r="r" b="b"/>
-            <a:pathLst>
-              <a:path w="7629294" h="7828566">
-                <a:moveTo>
-                  <a:pt x="0" y="0"/>
-                </a:moveTo>
-                <a:lnTo>
-                  <a:pt x="7629294" y="0"/>
-                </a:lnTo>
-                <a:lnTo>
-                  <a:pt x="7629294" y="7828566"/>
-                </a:lnTo>
-                <a:lnTo>
-                  <a:pt x="0" y="7828566"/>
-                </a:lnTo>
-                <a:lnTo>
-                  <a:pt x="0" y="0"/>
-                </a:lnTo>
-                <a:close/>
-              </a:path>
-            </a:pathLst>
-          </a:custGeom>
-          <a:blipFill>
-            <a:blip r:embed="rId3">
-              <a:extLst>
-                <a:ext uri="{96DAC541-7B7A-43D3-8B79-37D633B846F1}">
-                  <asvg:svgBlip xmlns:asvg="http://schemas.microsoft.com/office/drawing/2016/SVG/main" r:embed="rId4"/>
-                </a:ext>
-              </a:extLst>
-            </a:blip>
-            <a:stretch>
-              <a:fillRect/>
-            </a:stretch>
-          </a:blipFill>
-        </p:spPr>
-      </p:sp>
-      <p:sp>
-        <p:nvSpPr>
-          <p:cNvPr id="6" name="TextBox 6"/>
-          <p:cNvSpPr txBox="1"/>
-          <p:nvPr/>
-        </p:nvSpPr>
-        <p:spPr>
-          <a:xfrm>
-            <a:off x="2400300" y="4258642"/>
-            <a:ext cx="13487400" cy="1606081"/>
-          </a:xfrm>
-          <a:prstGeom prst="rect">
-            <a:avLst/>
-          </a:prstGeom>
-        </p:spPr>
-        <p:txBody>
-          <a:bodyPr wrap="square" lIns="0" tIns="0" rIns="0" bIns="0" rtlCol="0" anchor="t">
-            <a:spAutoFit/>
-          </a:bodyPr>
-          <a:lstStyle/>
-          <a:p>
-            <a:pPr algn="ctr">
-              <a:lnSpc>
-                <a:spcPts val="13774"/>
-              </a:lnSpc>
-            </a:pPr>
-            <a:r>
-              <a:rPr lang="en-US" sz="9600" spc="978" dirty="0" err="1">
-                <a:solidFill>
-                  <a:srgbClr val="231F20"/>
-                </a:solidFill>
-                <a:latin typeface="Segoe UI Black" panose="020B0A02040204020203" pitchFamily="34" charset="0"/>
-                <a:ea typeface="Segoe UI Black" panose="020B0A02040204020203" pitchFamily="34" charset="0"/>
-              </a:rPr>
-              <a:t>Giới</a:t>
-            </a:r>
-            <a:r>
-              <a:rPr lang="en-US" sz="9600" spc="978" dirty="0">
-                <a:solidFill>
-                  <a:srgbClr val="231F20"/>
-                </a:solidFill>
-                <a:latin typeface="Segoe UI Black" panose="020B0A02040204020203" pitchFamily="34" charset="0"/>
-                <a:ea typeface="Segoe UI Black" panose="020B0A02040204020203" pitchFamily="34" charset="0"/>
-              </a:rPr>
-              <a:t> </a:t>
-            </a:r>
-            <a:r>
-              <a:rPr lang="en-US" sz="9600" spc="978" dirty="0" err="1">
-                <a:solidFill>
-                  <a:srgbClr val="231F20"/>
-                </a:solidFill>
-                <a:latin typeface="Segoe UI Black" panose="020B0A02040204020203" pitchFamily="34" charset="0"/>
-                <a:ea typeface="Segoe UI Black" panose="020B0A02040204020203" pitchFamily="34" charset="0"/>
-              </a:rPr>
-              <a:t>thiệu</a:t>
-            </a:r>
-            <a:endParaRPr lang="en-US" sz="9600" spc="978" dirty="0">
-              <a:solidFill>
-                <a:srgbClr val="231F20"/>
-              </a:solidFill>
-              <a:latin typeface="Segoe UI Black" panose="020B0A02040204020203" pitchFamily="34" charset="0"/>
-              <a:ea typeface="Segoe UI Black" panose="020B0A02040204020203" pitchFamily="34" charset="0"/>
-            </a:endParaRPr>
-          </a:p>
-        </p:txBody>
-      </p:sp>
-      <p:sp>
-        <p:nvSpPr>
-          <p:cNvPr id="7" name="Freeform 7"/>
-          <p:cNvSpPr/>
-          <p:nvPr/>
-        </p:nvSpPr>
-        <p:spPr>
-          <a:xfrm rot="2016048">
-            <a:off x="11656553" y="506709"/>
-            <a:ext cx="10749463" cy="2687366"/>
-          </a:xfrm>
-          <a:custGeom>
-            <a:avLst/>
-            <a:gdLst/>
-            <a:ahLst/>
-            <a:cxnLst/>
-            <a:rect l="l" t="t" r="r" b="b"/>
-            <a:pathLst>
-              <a:path w="10749463" h="2687366">
-                <a:moveTo>
-                  <a:pt x="0" y="0"/>
-                </a:moveTo>
-                <a:lnTo>
-                  <a:pt x="10749463" y="0"/>
-                </a:lnTo>
-                <a:lnTo>
-                  <a:pt x="10749463" y="2687365"/>
-                </a:lnTo>
-                <a:lnTo>
-                  <a:pt x="0" y="2687365"/>
-                </a:lnTo>
-                <a:lnTo>
-                  <a:pt x="0" y="0"/>
-                </a:lnTo>
-                <a:close/>
-              </a:path>
-            </a:pathLst>
-          </a:custGeom>
-          <a:blipFill>
-            <a:blip r:embed="rId5">
-              <a:extLst>
-                <a:ext uri="{96DAC541-7B7A-43D3-8B79-37D633B846F1}">
-                  <asvg:svgBlip xmlns:asvg="http://schemas.microsoft.com/office/drawing/2016/SVG/main" r:embed="rId6"/>
-                </a:ext>
-              </a:extLst>
-            </a:blip>
-            <a:stretch>
-              <a:fillRect/>
-            </a:stretch>
-          </a:blipFill>
-        </p:spPr>
-      </p:sp>
-    </p:spTree>
-    <p:extLst>
-      <p:ext uri="{BB962C8B-B14F-4D97-AF65-F5344CB8AC3E}">
-        <p14:creationId xmlns:p14="http://schemas.microsoft.com/office/powerpoint/2010/main" val="1077792696"/>
-      </p:ext>
-    </p:extLst>
-  </p:cSld>
-  <p:clrMapOvr>
-    <a:masterClrMapping/>
-  </p:clrMapOvr>
-</p:sld>
-</file>
-
-<file path=ppt/slides/slide40.xml><?xml version="1.0" encoding="utf-8"?>
+<file path=ppt/slides/slide38.xml><?xml version="1.0" encoding="utf-8"?>
 <p:sld xmlns:a="http://schemas.openxmlformats.org/drawingml/2006/main" xmlns:r="http://schemas.openxmlformats.org/officeDocument/2006/relationships" xmlns:p="http://schemas.openxmlformats.org/presentationml/2006/main">
   <p:cSld>
     <p:bg>
@@ -24571,7 +24457,7 @@
 </p:sld>
 </file>
 
-<file path=ppt/slides/slide41.xml><?xml version="1.0" encoding="utf-8"?>
+<file path=ppt/slides/slide39.xml><?xml version="1.0" encoding="utf-8"?>
 <p:sld xmlns:a="http://schemas.openxmlformats.org/drawingml/2006/main" xmlns:r="http://schemas.openxmlformats.org/officeDocument/2006/relationships" xmlns:p="http://schemas.openxmlformats.org/presentationml/2006/main">
   <p:cSld>
     <p:spTree>
@@ -24692,6 +24578,13 @@
             </a:stretch>
           </a:blipFill>
         </p:spPr>
+        <p:txBody>
+          <a:bodyPr/>
+          <a:lstStyle/>
+          <a:p>
+            <a:endParaRPr lang="en-US"/>
+          </a:p>
+        </p:txBody>
       </p:sp>
       <p:sp>
         <p:nvSpPr>
@@ -24738,6 +24631,228 @@
     <p:extLst>
       <p:ext uri="{BB962C8B-B14F-4D97-AF65-F5344CB8AC3E}">
         <p14:creationId xmlns:p14="http://schemas.microsoft.com/office/powerpoint/2010/main" val="774973882"/>
+      </p:ext>
+    </p:extLst>
+  </p:cSld>
+  <p:clrMapOvr>
+    <a:masterClrMapping/>
+  </p:clrMapOvr>
+</p:sld>
+</file>
+
+<file path=ppt/slides/slide4.xml><?xml version="1.0" encoding="utf-8"?>
+<p:sld xmlns:a="http://schemas.openxmlformats.org/drawingml/2006/main" xmlns:r="http://schemas.openxmlformats.org/officeDocument/2006/relationships" xmlns:p="http://schemas.openxmlformats.org/presentationml/2006/main">
+  <p:cSld>
+    <p:bg>
+      <p:bgPr>
+        <a:solidFill>
+          <a:srgbClr val="F2F4F5"/>
+        </a:solidFill>
+        <a:effectLst/>
+      </p:bgPr>
+    </p:bg>
+    <p:spTree>
+      <p:nvGrpSpPr>
+        <p:cNvPr id="1" name=""/>
+        <p:cNvGrpSpPr/>
+        <p:nvPr/>
+      </p:nvGrpSpPr>
+      <p:grpSpPr>
+        <a:xfrm>
+          <a:off x="0" y="0"/>
+          <a:ext cx="0" cy="0"/>
+          <a:chOff x="0" y="0"/>
+          <a:chExt cx="0" cy="0"/>
+        </a:xfrm>
+      </p:grpSpPr>
+      <p:sp>
+        <p:nvSpPr>
+          <p:cNvPr id="2" name="Freeform 2"/>
+          <p:cNvSpPr/>
+          <p:nvPr/>
+        </p:nvSpPr>
+        <p:spPr>
+          <a:xfrm rot="7659121">
+            <a:off x="-4024140" y="4583103"/>
+            <a:ext cx="7629294" cy="7828566"/>
+          </a:xfrm>
+          <a:custGeom>
+            <a:avLst/>
+            <a:gdLst/>
+            <a:ahLst/>
+            <a:cxnLst/>
+            <a:rect l="l" t="t" r="r" b="b"/>
+            <a:pathLst>
+              <a:path w="7629294" h="7828566">
+                <a:moveTo>
+                  <a:pt x="0" y="0"/>
+                </a:moveTo>
+                <a:lnTo>
+                  <a:pt x="7629294" y="0"/>
+                </a:lnTo>
+                <a:lnTo>
+                  <a:pt x="7629294" y="7828566"/>
+                </a:lnTo>
+                <a:lnTo>
+                  <a:pt x="0" y="7828566"/>
+                </a:lnTo>
+                <a:lnTo>
+                  <a:pt x="0" y="0"/>
+                </a:lnTo>
+                <a:close/>
+              </a:path>
+            </a:pathLst>
+          </a:custGeom>
+          <a:blipFill>
+            <a:blip r:embed="rId3">
+              <a:extLst>
+                <a:ext uri="{96DAC541-7B7A-43D3-8B79-37D633B846F1}">
+                  <asvg:svgBlip xmlns:asvg="http://schemas.microsoft.com/office/drawing/2016/SVG/main" r:embed="rId4"/>
+                </a:ext>
+              </a:extLst>
+            </a:blip>
+            <a:stretch>
+              <a:fillRect/>
+            </a:stretch>
+          </a:blipFill>
+        </p:spPr>
+        <p:txBody>
+          <a:bodyPr/>
+          <a:lstStyle/>
+          <a:p>
+            <a:endParaRPr lang="en-US"/>
+          </a:p>
+        </p:txBody>
+      </p:sp>
+      <p:sp>
+        <p:nvSpPr>
+          <p:cNvPr id="6" name="TextBox 6"/>
+          <p:cNvSpPr txBox="1"/>
+          <p:nvPr/>
+        </p:nvSpPr>
+        <p:spPr>
+          <a:xfrm>
+            <a:off x="2400300" y="4258642"/>
+            <a:ext cx="13487400" cy="1606081"/>
+          </a:xfrm>
+          <a:prstGeom prst="rect">
+            <a:avLst/>
+          </a:prstGeom>
+        </p:spPr>
+        <p:txBody>
+          <a:bodyPr wrap="square" lIns="0" tIns="0" rIns="0" bIns="0" rtlCol="0" anchor="t">
+            <a:spAutoFit/>
+          </a:bodyPr>
+          <a:lstStyle/>
+          <a:p>
+            <a:pPr algn="ctr">
+              <a:lnSpc>
+                <a:spcPts val="13774"/>
+              </a:lnSpc>
+            </a:pPr>
+            <a:r>
+              <a:rPr lang="en-US" sz="9600" spc="978" dirty="0" err="1">
+                <a:solidFill>
+                  <a:srgbClr val="231F20"/>
+                </a:solidFill>
+                <a:latin typeface="Segoe UI Black" panose="020B0A02040204020203" pitchFamily="34" charset="0"/>
+                <a:ea typeface="Segoe UI Black" panose="020B0A02040204020203" pitchFamily="34" charset="0"/>
+              </a:rPr>
+              <a:t>Giới</a:t>
+            </a:r>
+            <a:r>
+              <a:rPr lang="en-US" sz="9600" spc="978" dirty="0">
+                <a:solidFill>
+                  <a:srgbClr val="231F20"/>
+                </a:solidFill>
+                <a:latin typeface="Segoe UI Black" panose="020B0A02040204020203" pitchFamily="34" charset="0"/>
+                <a:ea typeface="Segoe UI Black" panose="020B0A02040204020203" pitchFamily="34" charset="0"/>
+              </a:rPr>
+              <a:t> </a:t>
+            </a:r>
+            <a:r>
+              <a:rPr lang="en-US" sz="9600" spc="978" dirty="0" err="1">
+                <a:solidFill>
+                  <a:srgbClr val="231F20"/>
+                </a:solidFill>
+                <a:latin typeface="Segoe UI Black" panose="020B0A02040204020203" pitchFamily="34" charset="0"/>
+                <a:ea typeface="Segoe UI Black" panose="020B0A02040204020203" pitchFamily="34" charset="0"/>
+              </a:rPr>
+              <a:t>thiệu</a:t>
+            </a:r>
+            <a:endParaRPr lang="en-US" sz="9600" spc="978" dirty="0">
+              <a:solidFill>
+                <a:srgbClr val="231F20"/>
+              </a:solidFill>
+              <a:latin typeface="Segoe UI Black" panose="020B0A02040204020203" pitchFamily="34" charset="0"/>
+              <a:ea typeface="Segoe UI Black" panose="020B0A02040204020203" pitchFamily="34" charset="0"/>
+            </a:endParaRPr>
+          </a:p>
+        </p:txBody>
+      </p:sp>
+      <p:sp>
+        <p:nvSpPr>
+          <p:cNvPr id="7" name="Freeform 7"/>
+          <p:cNvSpPr/>
+          <p:nvPr/>
+        </p:nvSpPr>
+        <p:spPr>
+          <a:xfrm rot="2016048">
+            <a:off x="11656553" y="506709"/>
+            <a:ext cx="10749463" cy="2687366"/>
+          </a:xfrm>
+          <a:custGeom>
+            <a:avLst/>
+            <a:gdLst/>
+            <a:ahLst/>
+            <a:cxnLst/>
+            <a:rect l="l" t="t" r="r" b="b"/>
+            <a:pathLst>
+              <a:path w="10749463" h="2687366">
+                <a:moveTo>
+                  <a:pt x="0" y="0"/>
+                </a:moveTo>
+                <a:lnTo>
+                  <a:pt x="10749463" y="0"/>
+                </a:lnTo>
+                <a:lnTo>
+                  <a:pt x="10749463" y="2687365"/>
+                </a:lnTo>
+                <a:lnTo>
+                  <a:pt x="0" y="2687365"/>
+                </a:lnTo>
+                <a:lnTo>
+                  <a:pt x="0" y="0"/>
+                </a:lnTo>
+                <a:close/>
+              </a:path>
+            </a:pathLst>
+          </a:custGeom>
+          <a:blipFill>
+            <a:blip r:embed="rId5">
+              <a:extLst>
+                <a:ext uri="{96DAC541-7B7A-43D3-8B79-37D633B846F1}">
+                  <asvg:svgBlip xmlns:asvg="http://schemas.microsoft.com/office/drawing/2016/SVG/main" r:embed="rId6"/>
+                </a:ext>
+              </a:extLst>
+            </a:blip>
+            <a:stretch>
+              <a:fillRect/>
+            </a:stretch>
+          </a:blipFill>
+        </p:spPr>
+        <p:txBody>
+          <a:bodyPr/>
+          <a:lstStyle/>
+          <a:p>
+            <a:endParaRPr lang="en-US"/>
+          </a:p>
+        </p:txBody>
+      </p:sp>
+    </p:spTree>
+    <p:extLst>
+      <p:ext uri="{BB962C8B-B14F-4D97-AF65-F5344CB8AC3E}">
+        <p14:creationId xmlns:p14="http://schemas.microsoft.com/office/powerpoint/2010/main" val="1077792696"/>
       </p:ext>
     </p:extLst>
   </p:cSld>
